--- a/nmr26project3rdpro-12.pptx
+++ b/nmr26project3rdpro-12.pptx
@@ -15,20 +15,20 @@
     <p:sldId id="269" r:id="rId3"/>
     <p:sldId id="258" r:id="rId4"/>
     <p:sldId id="259" r:id="rId5"/>
-    <p:sldId id="274" r:id="rId6"/>
-    <p:sldId id="268" r:id="rId7"/>
-    <p:sldId id="260" r:id="rId8"/>
-    <p:sldId id="261" r:id="rId9"/>
-    <p:sldId id="280" r:id="rId10"/>
-    <p:sldId id="263" r:id="rId11"/>
-    <p:sldId id="275" r:id="rId12"/>
-    <p:sldId id="265" r:id="rId13"/>
-    <p:sldId id="276" r:id="rId14"/>
-    <p:sldId id="270" r:id="rId15"/>
-    <p:sldId id="272" r:id="rId16"/>
-    <p:sldId id="278" r:id="rId17"/>
-    <p:sldId id="277" r:id="rId18"/>
-    <p:sldId id="279" r:id="rId19"/>
+    <p:sldId id="268" r:id="rId6"/>
+    <p:sldId id="260" r:id="rId7"/>
+    <p:sldId id="286" r:id="rId8"/>
+    <p:sldId id="280" r:id="rId9"/>
+    <p:sldId id="263" r:id="rId10"/>
+    <p:sldId id="265" r:id="rId11"/>
+    <p:sldId id="287" r:id="rId12"/>
+    <p:sldId id="270" r:id="rId13"/>
+    <p:sldId id="278" r:id="rId14"/>
+    <p:sldId id="277" r:id="rId15"/>
+    <p:sldId id="279" r:id="rId16"/>
+    <p:sldId id="285" r:id="rId17"/>
+    <p:sldId id="281" r:id="rId18"/>
+    <p:sldId id="288" r:id="rId19"/>
   </p:sldIdLst>
   <p:sldSz cx="9144000" cy="6858000" type="screen4x3"/>
   <p:notesSz cx="6794500" cy="9931400"/>
@@ -162,13 +162,13 @@
                   <c:v>0</c:v>
                 </c:pt>
                 <c:pt idx="1">
-                  <c:v>0.31100000000000022</c:v>
+                  <c:v>0.31100000000000028</c:v>
                 </c:pt>
                 <c:pt idx="2">
                   <c:v>0.52</c:v>
                 </c:pt>
                 <c:pt idx="3">
-                  <c:v>0.75200000000000045</c:v>
+                  <c:v>0.75200000000000056</c:v>
                 </c:pt>
                 <c:pt idx="4">
                   <c:v>0.99099999999999999</c:v>
@@ -180,7 +180,7 @@
                   <c:v>1.486</c:v>
                 </c:pt>
                 <c:pt idx="7">
-                  <c:v>1.7260000000000009</c:v>
+                  <c:v>1.7260000000000011</c:v>
                 </c:pt>
                 <c:pt idx="8">
                   <c:v>1.97</c:v>
@@ -207,10 +207,10 @@
                   <c:v>3.6359999999999997</c:v>
                 </c:pt>
                 <c:pt idx="16">
-                  <c:v>3.8559999999999981</c:v>
+                  <c:v>3.8559999999999977</c:v>
                 </c:pt>
                 <c:pt idx="17">
-                  <c:v>4.1049999999999969</c:v>
+                  <c:v>4.104999999999996</c:v>
                 </c:pt>
                 <c:pt idx="18">
                   <c:v>4.3339999999999996</c:v>
@@ -237,16 +237,16 @@
                   <c:v>1.9344200000000002E-2</c:v>
                 </c:pt>
                 <c:pt idx="2">
-                  <c:v>5.4080000000000052E-2</c:v>
+                  <c:v>5.4080000000000066E-2</c:v>
                 </c:pt>
                 <c:pt idx="3">
-                  <c:v>0.11310080000000006</c:v>
+                  <c:v>0.11310080000000007</c:v>
                 </c:pt>
                 <c:pt idx="4">
-                  <c:v>0.19641620000000026</c:v>
+                  <c:v>0.19641620000000032</c:v>
                 </c:pt>
                 <c:pt idx="5">
-                  <c:v>0.31550720000000027</c:v>
+                  <c:v>0.31550720000000032</c:v>
                 </c:pt>
                 <c:pt idx="6">
                   <c:v>0.44163920000000001</c:v>
@@ -258,13 +258,13 @@
                   <c:v>0.77617999999999998</c:v>
                 </c:pt>
                 <c:pt idx="9">
-                  <c:v>0.97593619999999948</c:v>
+                  <c:v>0.97593619999999937</c:v>
                 </c:pt>
                 <c:pt idx="10">
                   <c:v>1.2122888000000001</c:v>
                 </c:pt>
                 <c:pt idx="11">
-                  <c:v>1.4558407999999992</c:v>
+                  <c:v>1.4558407999999989</c:v>
                 </c:pt>
                 <c:pt idx="12">
                   <c:v>1.7158081999999997</c:v>
@@ -273,7 +273,7 @@
                   <c:v>2.0059778000000001</c:v>
                 </c:pt>
                 <c:pt idx="14">
-                  <c:v>2.3228927999999982</c:v>
+                  <c:v>2.3228927999999978</c:v>
                 </c:pt>
                 <c:pt idx="15">
                   <c:v>2.6440992000000012</c:v>
@@ -282,13 +282,13 @@
                   <c:v>2.9737471999999987</c:v>
                 </c:pt>
                 <c:pt idx="17">
-                  <c:v>3.370204999999999</c:v>
+                  <c:v>3.3702049999999986</c:v>
                 </c:pt>
                 <c:pt idx="18">
                   <c:v>3.7567111999999994</c:v>
                 </c:pt>
                 <c:pt idx="19">
-                  <c:v>4.1223199999999958</c:v>
+                  <c:v>4.1223199999999949</c:v>
                 </c:pt>
                 <c:pt idx="20">
                   <c:v>4.5391392000000002</c:v>
@@ -322,28 +322,28 @@
                   <c:v>0</c:v>
                 </c:pt>
                 <c:pt idx="1">
-                  <c:v>0.2930000000000002</c:v>
+                  <c:v>0.29300000000000026</c:v>
                 </c:pt>
                 <c:pt idx="2">
                   <c:v>0.501</c:v>
                 </c:pt>
                 <c:pt idx="3">
-                  <c:v>0.73400000000000043</c:v>
+                  <c:v>0.73400000000000054</c:v>
                 </c:pt>
                 <c:pt idx="4">
-                  <c:v>0.96300000000000041</c:v>
+                  <c:v>0.96300000000000052</c:v>
                 </c:pt>
                 <c:pt idx="5">
                   <c:v>1.2</c:v>
                 </c:pt>
                 <c:pt idx="6">
-                  <c:v>1.4389999999999992</c:v>
+                  <c:v>1.4389999999999989</c:v>
                 </c:pt>
                 <c:pt idx="7">
                   <c:v>1.6600000000000001</c:v>
                 </c:pt>
                 <c:pt idx="8">
-                  <c:v>1.9029999999999991</c:v>
+                  <c:v>1.9029999999999987</c:v>
                 </c:pt>
                 <c:pt idx="9">
                   <c:v>2.1389999999999998</c:v>
@@ -361,13 +361,13 @@
                   <c:v>3.1</c:v>
                 </c:pt>
                 <c:pt idx="14">
-                  <c:v>3.3389999999999982</c:v>
+                  <c:v>3.3389999999999977</c:v>
                 </c:pt>
                 <c:pt idx="15">
                   <c:v>3.56</c:v>
                 </c:pt>
                 <c:pt idx="16">
-                  <c:v>3.8169999999999984</c:v>
+                  <c:v>3.816999999999998</c:v>
                 </c:pt>
                 <c:pt idx="17">
                   <c:v>4.0439999999999996</c:v>
@@ -379,7 +379,7 @@
                   <c:v>4.5419999999999998</c:v>
                 </c:pt>
                 <c:pt idx="20">
-                  <c:v>4.7629999999999963</c:v>
+                  <c:v>4.7629999999999955</c:v>
                 </c:pt>
               </c:numCache>
             </c:numRef>
@@ -403,7 +403,7 @@
                   <c:v>0.53875600000000001</c:v>
                 </c:pt>
                 <c:pt idx="4">
-                  <c:v>0.92736899999999944</c:v>
+                  <c:v>0.92736899999999933</c:v>
                 </c:pt>
                 <c:pt idx="5">
                   <c:v>1.44</c:v>
@@ -415,7 +415,7 @@
                   <c:v>2.7555999999999998</c:v>
                 </c:pt>
                 <c:pt idx="8">
-                  <c:v>3.6214089999999981</c:v>
+                  <c:v>3.6214089999999977</c:v>
                 </c:pt>
                 <c:pt idx="9">
                   <c:v>4.5753209999999989</c:v>
@@ -424,7 +424,7 @@
                   <c:v>5.640625</c:v>
                 </c:pt>
                 <c:pt idx="11">
-                  <c:v>6.8068809999999962</c:v>
+                  <c:v>6.8068809999999953</c:v>
                 </c:pt>
                 <c:pt idx="12">
                   <c:v>8.1225000000000005</c:v>
@@ -439,13 +439,13 @@
                   <c:v>12.6736</c:v>
                 </c:pt>
                 <c:pt idx="16">
-                  <c:v>14.569489000000011</c:v>
+                  <c:v>14.569489000000015</c:v>
                 </c:pt>
                 <c:pt idx="17">
                   <c:v>16.353935999999997</c:v>
                 </c:pt>
                 <c:pt idx="18">
-                  <c:v>18.55024899999999</c:v>
+                  <c:v>18.550248999999987</c:v>
                 </c:pt>
                 <c:pt idx="19">
                   <c:v>20.629763999999987</c:v>
@@ -485,13 +485,13 @@
                   <c:v>0.2</c:v>
                 </c:pt>
                 <c:pt idx="2">
-                  <c:v>0.42300000000000026</c:v>
+                  <c:v>0.42300000000000032</c:v>
                 </c:pt>
                 <c:pt idx="3">
-                  <c:v>0.64500000000000046</c:v>
+                  <c:v>0.64500000000000068</c:v>
                 </c:pt>
                 <c:pt idx="4">
-                  <c:v>0.86900000000000044</c:v>
+                  <c:v>0.86900000000000055</c:v>
                 </c:pt>
                 <c:pt idx="5">
                   <c:v>1.0980000000000001</c:v>
@@ -500,7 +500,7 @@
                   <c:v>1.333</c:v>
                 </c:pt>
                 <c:pt idx="7">
-                  <c:v>1.550999999999999</c:v>
+                  <c:v>1.5509999999999988</c:v>
                 </c:pt>
                 <c:pt idx="8">
                   <c:v>1.7709999999999999</c:v>
@@ -518,7 +518,7 @@
                   <c:v>2.6880000000000002</c:v>
                 </c:pt>
                 <c:pt idx="13">
-                  <c:v>2.9119999999999981</c:v>
+                  <c:v>2.9119999999999977</c:v>
                 </c:pt>
                 <c:pt idx="14">
                   <c:v>3.14</c:v>
@@ -533,7 +533,7 @@
                   <c:v>3.8079999999999998</c:v>
                 </c:pt>
                 <c:pt idx="18">
-                  <c:v>4.0179999999999962</c:v>
+                  <c:v>4.0179999999999954</c:v>
                 </c:pt>
                 <c:pt idx="19">
                   <c:v>4.24</c:v>
@@ -554,19 +554,19 @@
                   <c:v>0</c:v>
                 </c:pt>
                 <c:pt idx="1">
-                  <c:v>8.0000000000000085E-2</c:v>
+                  <c:v>8.0000000000000099E-2</c:v>
                 </c:pt>
                 <c:pt idx="2">
-                  <c:v>0.35785800000000023</c:v>
+                  <c:v>0.35785800000000034</c:v>
                 </c:pt>
                 <c:pt idx="3">
-                  <c:v>0.83205000000000051</c:v>
+                  <c:v>0.83205000000000062</c:v>
                 </c:pt>
                 <c:pt idx="4">
-                  <c:v>1.5103219999999991</c:v>
+                  <c:v>1.5103219999999988</c:v>
                 </c:pt>
                 <c:pt idx="5">
-                  <c:v>2.411207999999998</c:v>
+                  <c:v>2.4112079999999976</c:v>
                 </c:pt>
                 <c:pt idx="6">
                   <c:v>3.5537779999999999</c:v>
@@ -584,10 +584,10 @@
                   <c:v>9.9101520000000001</c:v>
                 </c:pt>
                 <c:pt idx="11">
-                  <c:v>11.985408000000007</c:v>
+                  <c:v>11.985408000000008</c:v>
                 </c:pt>
                 <c:pt idx="12">
-                  <c:v>14.450688000000008</c:v>
+                  <c:v>14.45068800000001</c:v>
                 </c:pt>
                 <c:pt idx="13">
                   <c:v>16.959488</c:v>
@@ -599,7 +599,7 @@
                   <c:v>22.579199999999986</c:v>
                 </c:pt>
                 <c:pt idx="16">
-                  <c:v>25.632800000000014</c:v>
+                  <c:v>25.632800000000017</c:v>
                 </c:pt>
                 <c:pt idx="17">
                   <c:v>29.001727999999989</c:v>
@@ -618,11 +618,11 @@
           </c:yVal>
           <c:smooth val="1"/>
         </c:ser>
-        <c:axId val="102087296"/>
-        <c:axId val="102171392"/>
+        <c:axId val="111912832"/>
+        <c:axId val="90312704"/>
       </c:scatterChart>
       <c:valAx>
-        <c:axId val="102087296"/>
+        <c:axId val="111912832"/>
         <c:scaling>
           <c:orientation val="minMax"/>
         </c:scaling>
@@ -657,12 +657,12 @@
             <a:endParaRPr lang="en-US"/>
           </a:p>
         </c:txPr>
-        <c:crossAx val="102171392"/>
+        <c:crossAx val="90312704"/>
         <c:crosses val="autoZero"/>
         <c:crossBetween val="midCat"/>
       </c:valAx>
       <c:valAx>
-        <c:axId val="102171392"/>
+        <c:axId val="90312704"/>
         <c:scaling>
           <c:orientation val="minMax"/>
           <c:max val="40"/>
@@ -707,7 +707,7 @@
             <a:endParaRPr lang="en-US"/>
           </a:p>
         </c:txPr>
-        <c:crossAx val="102087296"/>
+        <c:crossAx val="111912832"/>
         <c:crosses val="autoZero"/>
         <c:crossBetween val="midCat"/>
         <c:majorUnit val="10"/>
@@ -822,7 +822,7 @@
             <a:fld id="{B7689678-D9C7-4B66-B498-B0D9ECB213E9}" type="datetimeFigureOut">
               <a:rPr lang="en-NZ" smtClean="0"/>
               <a:pPr/>
-              <a:t>20/09/2011</a:t>
+              <a:t>21/09/2011</a:t>
             </a:fld>
             <a:endParaRPr lang="en-NZ"/>
           </a:p>
@@ -898,7 +898,7 @@
     </p:spTree>
     <p:extLst>
       <p:ext uri="{BB962C8B-B14F-4D97-AF65-F5344CB8AC3E}">
-        <p14:creationId xmlns="" xmlns:p14="http://schemas.microsoft.com/office/powerpoint/2010/main" val="1204260739"/>
+        <p14:creationId xmlns:p14="http://schemas.microsoft.com/office/powerpoint/2010/main" xmlns="" val="1204260739"/>
       </p:ext>
     </p:extLst>
   </p:cSld>
@@ -989,7 +989,7 @@
             <a:fld id="{FC2020B3-2496-4D4F-8D99-3824C7F062D3}" type="datetimeFigureOut">
               <a:rPr lang="en-NZ" smtClean="0"/>
               <a:pPr/>
-              <a:t>20/09/2011</a:t>
+              <a:t>21/09/2011</a:t>
             </a:fld>
             <a:endParaRPr lang="en-NZ"/>
           </a:p>
@@ -1158,7 +1158,7 @@
     </p:spTree>
     <p:extLst>
       <p:ext uri="{BB962C8B-B14F-4D97-AF65-F5344CB8AC3E}">
-        <p14:creationId xmlns="" xmlns:p14="http://schemas.microsoft.com/office/powerpoint/2010/main" val="234632398"/>
+        <p14:creationId xmlns:p14="http://schemas.microsoft.com/office/powerpoint/2010/main" xmlns="" val="234632398"/>
       </p:ext>
     </p:extLst>
   </p:cSld>
@@ -1304,7 +1304,7 @@
           <a:p>
             <a:r>
               <a:rPr lang="en-NZ" dirty="0" smtClean="0"/>
-              <a:t>3sec</a:t>
+              <a:t>10sec</a:t>
             </a:r>
             <a:endParaRPr lang="en-NZ" dirty="0"/>
           </a:p>
@@ -1337,7 +1337,7 @@
     </p:spTree>
     <p:extLst>
       <p:ext uri="{BB962C8B-B14F-4D97-AF65-F5344CB8AC3E}">
-        <p14:creationId xmlns="" xmlns:p14="http://schemas.microsoft.com/office/powerpoint/2010/main" val="2488397858"/>
+        <p14:creationId xmlns:p14="http://schemas.microsoft.com/office/powerpoint/2010/main" xmlns="" val="2488397858"/>
       </p:ext>
     </p:extLst>
   </p:cSld>
@@ -1393,7 +1393,7 @@
           <a:p>
             <a:r>
               <a:rPr lang="en-NZ" dirty="0" smtClean="0"/>
-              <a:t>10sec</a:t>
+              <a:t>20sec</a:t>
             </a:r>
             <a:endParaRPr lang="en-NZ" dirty="0"/>
           </a:p>
@@ -1426,7 +1426,7 @@
     </p:spTree>
     <p:extLst>
       <p:ext uri="{BB962C8B-B14F-4D97-AF65-F5344CB8AC3E}">
-        <p14:creationId xmlns="" xmlns:p14="http://schemas.microsoft.com/office/powerpoint/2010/main" val="1594112371"/>
+        <p14:creationId xmlns:p14="http://schemas.microsoft.com/office/powerpoint/2010/main" xmlns="" val="3319805661"/>
       </p:ext>
     </p:extLst>
   </p:cSld>
@@ -1482,7 +1482,7 @@
           <a:p>
             <a:r>
               <a:rPr lang="en-NZ" dirty="0" smtClean="0"/>
-              <a:t>30sec</a:t>
+              <a:t>10sec</a:t>
             </a:r>
             <a:endParaRPr lang="en-NZ" dirty="0"/>
           </a:p>
@@ -1515,7 +1515,7 @@
     </p:spTree>
     <p:extLst>
       <p:ext uri="{BB962C8B-B14F-4D97-AF65-F5344CB8AC3E}">
-        <p14:creationId xmlns="" xmlns:p14="http://schemas.microsoft.com/office/powerpoint/2010/main" val="3426493478"/>
+        <p14:creationId xmlns:p14="http://schemas.microsoft.com/office/powerpoint/2010/main" xmlns="" val="179781077"/>
       </p:ext>
     </p:extLst>
   </p:cSld>
@@ -1571,7 +1571,7 @@
           <a:p>
             <a:r>
               <a:rPr lang="en-NZ" dirty="0" smtClean="0"/>
-              <a:t>20sec</a:t>
+              <a:t>25sec</a:t>
             </a:r>
             <a:endParaRPr lang="en-NZ" dirty="0"/>
           </a:p>
@@ -1604,7 +1604,7 @@
     </p:spTree>
     <p:extLst>
       <p:ext uri="{BB962C8B-B14F-4D97-AF65-F5344CB8AC3E}">
-        <p14:creationId xmlns="" xmlns:p14="http://schemas.microsoft.com/office/powerpoint/2010/main" val="3319805661"/>
+        <p14:creationId xmlns:p14="http://schemas.microsoft.com/office/powerpoint/2010/main" xmlns="" val="1178006231"/>
       </p:ext>
     </p:extLst>
   </p:cSld>
@@ -1660,7 +1660,7 @@
           <a:p>
             <a:r>
               <a:rPr lang="en-NZ" dirty="0" smtClean="0"/>
-              <a:t>10sec</a:t>
+              <a:t>15sec</a:t>
             </a:r>
             <a:endParaRPr lang="en-NZ" dirty="0"/>
           </a:p>
@@ -1693,7 +1693,7 @@
     </p:spTree>
     <p:extLst>
       <p:ext uri="{BB962C8B-B14F-4D97-AF65-F5344CB8AC3E}">
-        <p14:creationId xmlns="" xmlns:p14="http://schemas.microsoft.com/office/powerpoint/2010/main" val="179781077"/>
+        <p14:creationId xmlns:p14="http://schemas.microsoft.com/office/powerpoint/2010/main" xmlns="" val="297284571"/>
       </p:ext>
     </p:extLst>
   </p:cSld>
@@ -1773,7 +1773,7 @@
             <a:fld id="{28043F8F-D576-4961-B2BD-43837E3FEF8C}" type="slidenum">
               <a:rPr lang="en-NZ" smtClean="0"/>
               <a:pPr/>
-              <a:t>15</a:t>
+              <a:t>16</a:t>
             </a:fld>
             <a:endParaRPr lang="en-NZ"/>
           </a:p>
@@ -1782,7 +1782,7 @@
     </p:spTree>
     <p:extLst>
       <p:ext uri="{BB962C8B-B14F-4D97-AF65-F5344CB8AC3E}">
-        <p14:creationId xmlns="" xmlns:p14="http://schemas.microsoft.com/office/powerpoint/2010/main" val="2958126474"/>
+        <p14:creationId xmlns:p14="http://schemas.microsoft.com/office/powerpoint/2010/main" xmlns="" val="2958126474"/>
       </p:ext>
     </p:extLst>
   </p:cSld>
@@ -1838,7 +1838,7 @@
           <a:p>
             <a:r>
               <a:rPr lang="en-NZ" dirty="0" smtClean="0"/>
-              <a:t>25sec</a:t>
+              <a:t>10sec</a:t>
             </a:r>
             <a:endParaRPr lang="en-NZ" dirty="0"/>
           </a:p>
@@ -1862,7 +1862,7 @@
             <a:fld id="{28043F8F-D576-4961-B2BD-43837E3FEF8C}" type="slidenum">
               <a:rPr lang="en-NZ" smtClean="0"/>
               <a:pPr/>
-              <a:t>16</a:t>
+              <a:t>17</a:t>
             </a:fld>
             <a:endParaRPr lang="en-NZ"/>
           </a:p>
@@ -1871,7 +1871,7 @@
     </p:spTree>
     <p:extLst>
       <p:ext uri="{BB962C8B-B14F-4D97-AF65-F5344CB8AC3E}">
-        <p14:creationId xmlns="" xmlns:p14="http://schemas.microsoft.com/office/powerpoint/2010/main" val="1178006231"/>
+        <p14:creationId xmlns:p14="http://schemas.microsoft.com/office/powerpoint/2010/main" xmlns="" val="1594112371"/>
       </p:ext>
     </p:extLst>
   </p:cSld>
@@ -1951,7 +1951,7 @@
             <a:fld id="{28043F8F-D576-4961-B2BD-43837E3FEF8C}" type="slidenum">
               <a:rPr lang="en-NZ" smtClean="0"/>
               <a:pPr/>
-              <a:t>17</a:t>
+              <a:t>18</a:t>
             </a:fld>
             <a:endParaRPr lang="en-NZ"/>
           </a:p>
@@ -1960,7 +1960,7 @@
     </p:spTree>
     <p:extLst>
       <p:ext uri="{BB962C8B-B14F-4D97-AF65-F5344CB8AC3E}">
-        <p14:creationId xmlns="" xmlns:p14="http://schemas.microsoft.com/office/powerpoint/2010/main" val="297284571"/>
+        <p14:creationId xmlns:p14="http://schemas.microsoft.com/office/powerpoint/2010/main" xmlns="" val="403390558"/>
       </p:ext>
     </p:extLst>
   </p:cSld>
@@ -2049,7 +2049,7 @@
     </p:spTree>
     <p:extLst>
       <p:ext uri="{BB962C8B-B14F-4D97-AF65-F5344CB8AC3E}">
-        <p14:creationId xmlns="" xmlns:p14="http://schemas.microsoft.com/office/powerpoint/2010/main" val="320500377"/>
+        <p14:creationId xmlns:p14="http://schemas.microsoft.com/office/powerpoint/2010/main" xmlns="" val="320500377"/>
       </p:ext>
     </p:extLst>
   </p:cSld>
@@ -2138,7 +2138,7 @@
     </p:spTree>
     <p:extLst>
       <p:ext uri="{BB962C8B-B14F-4D97-AF65-F5344CB8AC3E}">
-        <p14:creationId xmlns="" xmlns:p14="http://schemas.microsoft.com/office/powerpoint/2010/main" val="1075824"/>
+        <p14:creationId xmlns:p14="http://schemas.microsoft.com/office/powerpoint/2010/main" xmlns="" val="1075824"/>
       </p:ext>
     </p:extLst>
   </p:cSld>
@@ -2227,7 +2227,7 @@
     </p:spTree>
     <p:extLst>
       <p:ext uri="{BB962C8B-B14F-4D97-AF65-F5344CB8AC3E}">
-        <p14:creationId xmlns="" xmlns:p14="http://schemas.microsoft.com/office/powerpoint/2010/main" val="973293623"/>
+        <p14:creationId xmlns:p14="http://schemas.microsoft.com/office/powerpoint/2010/main" xmlns="" val="973293623"/>
       </p:ext>
     </p:extLst>
   </p:cSld>
@@ -2283,7 +2283,7 @@
           <a:p>
             <a:r>
               <a:rPr lang="en-NZ" dirty="0" smtClean="0"/>
-              <a:t>15sec</a:t>
+              <a:t>30sec</a:t>
             </a:r>
             <a:endParaRPr lang="en-NZ" dirty="0"/>
           </a:p>
@@ -2316,7 +2316,7 @@
     </p:spTree>
     <p:extLst>
       <p:ext uri="{BB962C8B-B14F-4D97-AF65-F5344CB8AC3E}">
-        <p14:creationId xmlns="" xmlns:p14="http://schemas.microsoft.com/office/powerpoint/2010/main" val="403390558"/>
+        <p14:creationId xmlns:p14="http://schemas.microsoft.com/office/powerpoint/2010/main" xmlns="" val="3934879147"/>
       </p:ext>
     </p:extLst>
   </p:cSld>
@@ -2405,7 +2405,7 @@
     </p:spTree>
     <p:extLst>
       <p:ext uri="{BB962C8B-B14F-4D97-AF65-F5344CB8AC3E}">
-        <p14:creationId xmlns="" xmlns:p14="http://schemas.microsoft.com/office/powerpoint/2010/main" val="3934879147"/>
+        <p14:creationId xmlns:p14="http://schemas.microsoft.com/office/powerpoint/2010/main" xmlns="" val="1250733421"/>
       </p:ext>
     </p:extLst>
   </p:cSld>
@@ -2461,7 +2461,7 @@
           <a:p>
             <a:r>
               <a:rPr lang="en-NZ" dirty="0" smtClean="0"/>
-              <a:t>30sec</a:t>
+              <a:t>20sec</a:t>
             </a:r>
             <a:endParaRPr lang="en-NZ" dirty="0"/>
           </a:p>
@@ -2494,7 +2494,7 @@
     </p:spTree>
     <p:extLst>
       <p:ext uri="{BB962C8B-B14F-4D97-AF65-F5344CB8AC3E}">
-        <p14:creationId xmlns="" xmlns:p14="http://schemas.microsoft.com/office/powerpoint/2010/main" val="1250733421"/>
+        <p14:creationId xmlns:p14="http://schemas.microsoft.com/office/powerpoint/2010/main" xmlns="" val="1871039584"/>
       </p:ext>
     </p:extLst>
   </p:cSld>
@@ -2574,7 +2574,7 @@
             <a:fld id="{28043F8F-D576-4961-B2BD-43837E3FEF8C}" type="slidenum">
               <a:rPr lang="en-NZ" smtClean="0"/>
               <a:pPr/>
-              <a:t>8</a:t>
+              <a:t>9</a:t>
             </a:fld>
             <a:endParaRPr lang="en-NZ"/>
           </a:p>
@@ -2583,7 +2583,7 @@
     </p:spTree>
     <p:extLst>
       <p:ext uri="{BB962C8B-B14F-4D97-AF65-F5344CB8AC3E}">
-        <p14:creationId xmlns="" xmlns:p14="http://schemas.microsoft.com/office/powerpoint/2010/main" val="1871039584"/>
+        <p14:creationId xmlns:p14="http://schemas.microsoft.com/office/powerpoint/2010/main" xmlns="" val="447371240"/>
       </p:ext>
     </p:extLst>
   </p:cSld>
@@ -2639,7 +2639,7 @@
           <a:p>
             <a:r>
               <a:rPr lang="en-NZ" dirty="0" smtClean="0"/>
-              <a:t>20sec</a:t>
+              <a:t>30sec</a:t>
             </a:r>
             <a:endParaRPr lang="en-NZ" dirty="0"/>
           </a:p>
@@ -2672,7 +2672,7 @@
     </p:spTree>
     <p:extLst>
       <p:ext uri="{BB962C8B-B14F-4D97-AF65-F5344CB8AC3E}">
-        <p14:creationId xmlns="" xmlns:p14="http://schemas.microsoft.com/office/powerpoint/2010/main" val="447371240"/>
+        <p14:creationId xmlns:p14="http://schemas.microsoft.com/office/powerpoint/2010/main" xmlns="" val="3426493478"/>
       </p:ext>
     </p:extLst>
   </p:cSld>
@@ -2870,7 +2870,7 @@
                 </a:solidFill>
               </a:rPr>
               <a:pPr/>
-              <a:t>9/20/2011</a:t>
+              <a:t>9/21/2011</a:t>
             </a:fld>
             <a:endParaRPr lang="en-US">
               <a:solidFill>
@@ -2946,7 +2946,7 @@
     </p:spTree>
     <p:extLst>
       <p:ext uri="{BB962C8B-B14F-4D97-AF65-F5344CB8AC3E}">
-        <p14:creationId xmlns="" xmlns:p14="http://schemas.microsoft.com/office/powerpoint/2010/main" val="1053039674"/>
+        <p14:creationId xmlns:p14="http://schemas.microsoft.com/office/powerpoint/2010/main" xmlns="" val="1053039674"/>
       </p:ext>
     </p:extLst>
   </p:cSld>
@@ -3072,7 +3072,7 @@
                 </a:solidFill>
               </a:rPr>
               <a:pPr/>
-              <a:t>9/20/2011</a:t>
+              <a:t>9/21/2011</a:t>
             </a:fld>
             <a:endParaRPr lang="en-US">
               <a:solidFill>
@@ -3148,7 +3148,7 @@
     </p:spTree>
     <p:extLst>
       <p:ext uri="{BB962C8B-B14F-4D97-AF65-F5344CB8AC3E}">
-        <p14:creationId xmlns="" xmlns:p14="http://schemas.microsoft.com/office/powerpoint/2010/main" val="1270071689"/>
+        <p14:creationId xmlns:p14="http://schemas.microsoft.com/office/powerpoint/2010/main" xmlns="" val="1270071689"/>
       </p:ext>
     </p:extLst>
   </p:cSld>
@@ -3284,7 +3284,7 @@
                 </a:solidFill>
               </a:rPr>
               <a:pPr/>
-              <a:t>9/20/2011</a:t>
+              <a:t>9/21/2011</a:t>
             </a:fld>
             <a:endParaRPr lang="en-US">
               <a:solidFill>
@@ -3360,7 +3360,7 @@
     </p:spTree>
     <p:extLst>
       <p:ext uri="{BB962C8B-B14F-4D97-AF65-F5344CB8AC3E}">
-        <p14:creationId xmlns="" xmlns:p14="http://schemas.microsoft.com/office/powerpoint/2010/main" val="1397104184"/>
+        <p14:creationId xmlns:p14="http://schemas.microsoft.com/office/powerpoint/2010/main" xmlns="" val="1397104184"/>
       </p:ext>
     </p:extLst>
   </p:cSld>
@@ -3486,7 +3486,7 @@
                 </a:solidFill>
               </a:rPr>
               <a:pPr/>
-              <a:t>9/20/2011</a:t>
+              <a:t>9/21/2011</a:t>
             </a:fld>
             <a:endParaRPr lang="en-US">
               <a:solidFill>
@@ -3562,7 +3562,7 @@
     </p:spTree>
     <p:extLst>
       <p:ext uri="{BB962C8B-B14F-4D97-AF65-F5344CB8AC3E}">
-        <p14:creationId xmlns="" xmlns:p14="http://schemas.microsoft.com/office/powerpoint/2010/main" val="2052209535"/>
+        <p14:creationId xmlns:p14="http://schemas.microsoft.com/office/powerpoint/2010/main" xmlns="" val="2052209535"/>
       </p:ext>
     </p:extLst>
   </p:cSld>
@@ -3764,7 +3764,7 @@
                 </a:solidFill>
               </a:rPr>
               <a:pPr/>
-              <a:t>9/20/2011</a:t>
+              <a:t>9/21/2011</a:t>
             </a:fld>
             <a:endParaRPr lang="en-US">
               <a:solidFill>
@@ -3840,7 +3840,7 @@
     </p:spTree>
     <p:extLst>
       <p:ext uri="{BB962C8B-B14F-4D97-AF65-F5344CB8AC3E}">
-        <p14:creationId xmlns="" xmlns:p14="http://schemas.microsoft.com/office/powerpoint/2010/main" val="700848067"/>
+        <p14:creationId xmlns:p14="http://schemas.microsoft.com/office/powerpoint/2010/main" xmlns="" val="700848067"/>
       </p:ext>
     </p:extLst>
   </p:cSld>
@@ -4084,7 +4084,7 @@
                 </a:solidFill>
               </a:rPr>
               <a:pPr/>
-              <a:t>9/20/2011</a:t>
+              <a:t>9/21/2011</a:t>
             </a:fld>
             <a:endParaRPr lang="en-US">
               <a:solidFill>
@@ -4160,7 +4160,7 @@
     </p:spTree>
     <p:extLst>
       <p:ext uri="{BB962C8B-B14F-4D97-AF65-F5344CB8AC3E}">
-        <p14:creationId xmlns="" xmlns:p14="http://schemas.microsoft.com/office/powerpoint/2010/main" val="2333732383"/>
+        <p14:creationId xmlns:p14="http://schemas.microsoft.com/office/powerpoint/2010/main" xmlns="" val="2333732383"/>
       </p:ext>
     </p:extLst>
   </p:cSld>
@@ -4538,7 +4538,7 @@
                 </a:solidFill>
               </a:rPr>
               <a:pPr/>
-              <a:t>9/20/2011</a:t>
+              <a:t>9/21/2011</a:t>
             </a:fld>
             <a:endParaRPr lang="en-US">
               <a:solidFill>
@@ -4614,7 +4614,7 @@
     </p:spTree>
     <p:extLst>
       <p:ext uri="{BB962C8B-B14F-4D97-AF65-F5344CB8AC3E}">
-        <p14:creationId xmlns="" xmlns:p14="http://schemas.microsoft.com/office/powerpoint/2010/main" val="1868228857"/>
+        <p14:creationId xmlns:p14="http://schemas.microsoft.com/office/powerpoint/2010/main" xmlns="" val="1868228857"/>
       </p:ext>
     </p:extLst>
   </p:cSld>
@@ -4688,7 +4688,7 @@
                 </a:solidFill>
               </a:rPr>
               <a:pPr/>
-              <a:t>9/20/2011</a:t>
+              <a:t>9/21/2011</a:t>
             </a:fld>
             <a:endParaRPr lang="en-US">
               <a:solidFill>
@@ -4764,7 +4764,7 @@
     </p:spTree>
     <p:extLst>
       <p:ext uri="{BB962C8B-B14F-4D97-AF65-F5344CB8AC3E}">
-        <p14:creationId xmlns="" xmlns:p14="http://schemas.microsoft.com/office/powerpoint/2010/main" val="3493117512"/>
+        <p14:creationId xmlns:p14="http://schemas.microsoft.com/office/powerpoint/2010/main" xmlns="" val="3493117512"/>
       </p:ext>
     </p:extLst>
   </p:cSld>
@@ -4815,7 +4815,7 @@
                 </a:solidFill>
               </a:rPr>
               <a:pPr/>
-              <a:t>9/20/2011</a:t>
+              <a:t>9/21/2011</a:t>
             </a:fld>
             <a:endParaRPr lang="en-US">
               <a:solidFill>
@@ -4891,7 +4891,7 @@
     </p:spTree>
     <p:extLst>
       <p:ext uri="{BB962C8B-B14F-4D97-AF65-F5344CB8AC3E}">
-        <p14:creationId xmlns="" xmlns:p14="http://schemas.microsoft.com/office/powerpoint/2010/main" val="55831848"/>
+        <p14:creationId xmlns:p14="http://schemas.microsoft.com/office/powerpoint/2010/main" xmlns="" val="55831848"/>
       </p:ext>
     </p:extLst>
   </p:cSld>
@@ -5124,7 +5124,7 @@
                 </a:solidFill>
               </a:rPr>
               <a:pPr/>
-              <a:t>9/20/2011</a:t>
+              <a:t>9/21/2011</a:t>
             </a:fld>
             <a:endParaRPr lang="en-US">
               <a:solidFill>
@@ -5200,7 +5200,7 @@
     </p:spTree>
     <p:extLst>
       <p:ext uri="{BB962C8B-B14F-4D97-AF65-F5344CB8AC3E}">
-        <p14:creationId xmlns="" xmlns:p14="http://schemas.microsoft.com/office/powerpoint/2010/main" val="4269593650"/>
+        <p14:creationId xmlns:p14="http://schemas.microsoft.com/office/powerpoint/2010/main" xmlns="" val="4269593650"/>
       </p:ext>
     </p:extLst>
   </p:cSld>
@@ -5409,7 +5409,7 @@
                 </a:solidFill>
               </a:rPr>
               <a:pPr/>
-              <a:t>9/20/2011</a:t>
+              <a:t>9/21/2011</a:t>
             </a:fld>
             <a:endParaRPr lang="en-US">
               <a:solidFill>
@@ -5485,7 +5485,7 @@
     </p:spTree>
     <p:extLst>
       <p:ext uri="{BB962C8B-B14F-4D97-AF65-F5344CB8AC3E}">
-        <p14:creationId xmlns="" xmlns:p14="http://schemas.microsoft.com/office/powerpoint/2010/main" val="3429307463"/>
+        <p14:creationId xmlns:p14="http://schemas.microsoft.com/office/powerpoint/2010/main" xmlns="" val="3429307463"/>
       </p:ext>
     </p:extLst>
   </p:cSld>
@@ -5663,7 +5663,7 @@
                 </a:solidFill>
               </a:rPr>
               <a:pPr/>
-              <a:t>9/20/2011</a:t>
+              <a:t>9/21/2011</a:t>
             </a:fld>
             <a:endParaRPr lang="en-US">
               <a:solidFill>
@@ -5775,7 +5775,7 @@
     </p:spTree>
     <p:extLst>
       <p:ext uri="{BB962C8B-B14F-4D97-AF65-F5344CB8AC3E}">
-        <p14:creationId xmlns="" xmlns:p14="http://schemas.microsoft.com/office/powerpoint/2010/main" val="4101540237"/>
+        <p14:creationId xmlns:p14="http://schemas.microsoft.com/office/powerpoint/2010/main" xmlns="" val="4101540237"/>
       </p:ext>
     </p:extLst>
   </p:cSld>
@@ -6175,13 +6175,20 @@
     </p:spTree>
     <p:extLst>
       <p:ext uri="{BB962C8B-B14F-4D97-AF65-F5344CB8AC3E}">
-        <p14:creationId xmlns="" xmlns:p14="http://schemas.microsoft.com/office/powerpoint/2010/main" val="2159322064"/>
+        <p14:creationId xmlns:p14="http://schemas.microsoft.com/office/powerpoint/2010/main" xmlns="" val="2159322064"/>
       </p:ext>
     </p:extLst>
   </p:cSld>
   <p:clrMapOvr>
     <a:masterClrMapping/>
   </p:clrMapOvr>
+  <p:timing>
+    <p:tnLst>
+      <p:par>
+        <p:cTn id="1" dur="indefinite" restart="never" nodeType="tmRoot"/>
+      </p:par>
+    </p:tnLst>
+  </p:timing>
 </p:sld>
 </file>
 
@@ -6223,7 +6230,7 @@
                   <a:schemeClr val="bg1"/>
                 </a:solidFill>
               </a:rPr>
-              <a:t>Testing – Generator</a:t>
+              <a:t>Generator Test Results</a:t>
             </a:r>
             <a:endParaRPr lang="en-US" b="1" dirty="0">
               <a:solidFill>
@@ -6233,38 +6240,176 @@
           </a:p>
         </p:txBody>
       </p:sp>
-      <p:graphicFrame>
-        <p:nvGraphicFramePr>
-          <p:cNvPr id="5" name="Chart 4"/>
-          <p:cNvGraphicFramePr/>
-          <p:nvPr>
-            <p:extLst>
-              <p:ext uri="{D42A27DB-BD31-4B8C-83A1-F6EECF244321}">
-                <p14:modId xmlns="" xmlns:p14="http://schemas.microsoft.com/office/powerpoint/2010/main" val="2050245842"/>
-              </p:ext>
-            </p:extLst>
-          </p:nvPr>
-        </p:nvGraphicFramePr>
-        <p:xfrm>
-          <a:off x="838200" y="1484784"/>
-          <a:ext cx="7406208" cy="4536504"/>
-        </p:xfrm>
-        <a:graphic>
-          <a:graphicData uri="http://schemas.openxmlformats.org/drawingml/2006/chart">
-            <c:chart xmlns:c="http://schemas.openxmlformats.org/drawingml/2006/chart" xmlns:r="http://schemas.openxmlformats.org/officeDocument/2006/relationships" r:id="rId3"/>
-          </a:graphicData>
-        </a:graphic>
-      </p:graphicFrame>
+      <p:sp>
+        <p:nvSpPr>
+          <p:cNvPr id="3" name="Content Placeholder 2"/>
+          <p:cNvSpPr>
+            <a:spLocks noGrp="1"/>
+          </p:cNvSpPr>
+          <p:nvPr>
+            <p:ph idx="1"/>
+          </p:nvPr>
+        </p:nvSpPr>
+        <p:spPr/>
+        <p:txBody>
+          <a:bodyPr>
+            <a:normAutofit/>
+          </a:bodyPr>
+          <a:lstStyle/>
+          <a:p>
+            <a:r>
+              <a:rPr lang="en-US" dirty="0" smtClean="0">
+                <a:solidFill>
+                  <a:schemeClr val="bg1"/>
+                </a:solidFill>
+              </a:rPr>
+              <a:t>Maximum Power Output at 0.5</a:t>
+            </a:r>
+            <a:r>
+              <a:rPr lang="el-GR" dirty="0" smtClean="0">
+                <a:solidFill>
+                  <a:schemeClr val="bg1"/>
+                </a:solidFill>
+              </a:rPr>
+              <a:t>Ω</a:t>
+            </a:r>
+            <a:r>
+              <a:rPr lang="en-US" dirty="0" smtClean="0">
+                <a:solidFill>
+                  <a:schemeClr val="bg1"/>
+                </a:solidFill>
+              </a:rPr>
+              <a:t> = 70W</a:t>
+            </a:r>
+          </a:p>
+          <a:p>
+            <a:r>
+              <a:rPr lang="en-US" dirty="0" smtClean="0">
+                <a:solidFill>
+                  <a:schemeClr val="bg1"/>
+                </a:solidFill>
+              </a:rPr>
+              <a:t>Speed required for 25W = 2400rpm</a:t>
+            </a:r>
+          </a:p>
+          <a:p>
+            <a:r>
+              <a:rPr lang="en-US" dirty="0" smtClean="0">
+                <a:solidFill>
+                  <a:schemeClr val="bg1"/>
+                </a:solidFill>
+              </a:rPr>
+              <a:t>Voltage given at </a:t>
+            </a:r>
+            <a:r>
+              <a:rPr lang="en-US" dirty="0" smtClean="0">
+                <a:solidFill>
+                  <a:schemeClr val="bg1"/>
+                </a:solidFill>
+              </a:rPr>
+              <a:t>2400 rpm </a:t>
+            </a:r>
+            <a:r>
+              <a:rPr lang="en-US" dirty="0" smtClean="0">
+                <a:solidFill>
+                  <a:schemeClr val="bg1"/>
+                </a:solidFill>
+              </a:rPr>
+              <a:t>= 4.7 V</a:t>
+            </a:r>
+          </a:p>
+          <a:p>
+            <a:r>
+              <a:rPr lang="en-US" dirty="0" smtClean="0">
+                <a:solidFill>
+                  <a:schemeClr val="bg1"/>
+                </a:solidFill>
+              </a:rPr>
+              <a:t>Current given at 2400 rpm = 5.4 A</a:t>
+            </a:r>
+          </a:p>
+          <a:p>
+            <a:r>
+              <a:rPr lang="en-NZ" dirty="0">
+                <a:solidFill>
+                  <a:schemeClr val="bg1"/>
+                </a:solidFill>
+              </a:rPr>
+              <a:t>Gearbox required is </a:t>
+            </a:r>
+            <a:r>
+              <a:rPr lang="en-NZ" dirty="0" smtClean="0">
+                <a:solidFill>
+                  <a:schemeClr val="bg1"/>
+                </a:solidFill>
+              </a:rPr>
+              <a:t>19:1</a:t>
+            </a:r>
+          </a:p>
+          <a:p>
+            <a:r>
+              <a:rPr lang="en-NZ" dirty="0" smtClean="0">
+                <a:solidFill>
+                  <a:schemeClr val="bg1"/>
+                </a:solidFill>
+              </a:rPr>
+              <a:t>Parallel </a:t>
+            </a:r>
+            <a:r>
+              <a:rPr lang="en-NZ" dirty="0">
+                <a:solidFill>
+                  <a:schemeClr val="bg1"/>
+                </a:solidFill>
+              </a:rPr>
+              <a:t>output motors to decrease resistance </a:t>
+            </a:r>
+            <a:r>
+              <a:rPr lang="en-NZ" dirty="0" smtClean="0">
+                <a:solidFill>
+                  <a:schemeClr val="bg1"/>
+                </a:solidFill>
+              </a:rPr>
+              <a:t>seen by generator</a:t>
+            </a:r>
+            <a:endParaRPr lang="en-NZ" dirty="0">
+              <a:solidFill>
+                <a:schemeClr val="bg1"/>
+              </a:solidFill>
+            </a:endParaRPr>
+          </a:p>
+          <a:p>
+            <a:endParaRPr lang="en-US" dirty="0" smtClean="0">
+              <a:solidFill>
+                <a:schemeClr val="bg1"/>
+              </a:solidFill>
+            </a:endParaRPr>
+          </a:p>
+          <a:p>
+            <a:endParaRPr lang="en-US" dirty="0">
+              <a:solidFill>
+                <a:schemeClr val="bg1"/>
+              </a:solidFill>
+            </a:endParaRPr>
+          </a:p>
+        </p:txBody>
+      </p:sp>
     </p:spTree>
     <p:extLst>
       <p:ext uri="{BB962C8B-B14F-4D97-AF65-F5344CB8AC3E}">
-        <p14:creationId xmlns="" xmlns:p14="http://schemas.microsoft.com/office/powerpoint/2010/main" val="2823376196"/>
+        <p14:creationId xmlns:p14="http://schemas.microsoft.com/office/powerpoint/2010/main" xmlns="" val="3043069130"/>
       </p:ext>
     </p:extLst>
   </p:cSld>
   <p:clrMapOvr>
     <a:masterClrMapping/>
   </p:clrMapOvr>
+  <p:timing>
+    <p:tnLst>
+      <p:par>
+        <p:cTn id="1" dur="indefinite" restart="never" nodeType="tmRoot"/>
+      </p:par>
+    </p:tnLst>
+  </p:timing>
 </p:sld>
 </file>
 
@@ -6306,7 +6451,7 @@
                   <a:schemeClr val="bg1"/>
                 </a:solidFill>
               </a:rPr>
-              <a:t>Testing – Generator</a:t>
+              <a:t>Power Converter</a:t>
             </a:r>
             <a:endParaRPr lang="en-US" b="1" dirty="0">
               <a:solidFill>
@@ -6316,9 +6461,1365 @@
           </a:p>
         </p:txBody>
       </p:sp>
+      <p:sp>
+        <p:nvSpPr>
+          <p:cNvPr id="3" name="Content Placeholder 2"/>
+          <p:cNvSpPr>
+            <a:spLocks noGrp="1"/>
+          </p:cNvSpPr>
+          <p:nvPr>
+            <p:ph idx="1"/>
+          </p:nvPr>
+        </p:nvSpPr>
+        <p:spPr/>
+        <p:txBody>
+          <a:bodyPr>
+            <a:normAutofit/>
+          </a:bodyPr>
+          <a:lstStyle/>
+          <a:p>
+            <a:r>
+              <a:rPr lang="en-NZ" dirty="0" smtClean="0">
+                <a:solidFill>
+                  <a:schemeClr val="bg1"/>
+                </a:solidFill>
+              </a:rPr>
+              <a:t>Power </a:t>
+            </a:r>
+            <a:r>
+              <a:rPr lang="en-NZ" dirty="0">
+                <a:solidFill>
+                  <a:schemeClr val="bg1"/>
+                </a:solidFill>
+              </a:rPr>
+              <a:t>converter must convert from 4.7V, 5.4A </a:t>
+            </a:r>
+            <a:r>
+              <a:rPr lang="en-NZ" dirty="0" smtClean="0">
+                <a:solidFill>
+                  <a:schemeClr val="bg1"/>
+                </a:solidFill>
+              </a:rPr>
+              <a:t>3 phase AC </a:t>
+            </a:r>
+            <a:r>
+              <a:rPr lang="en-NZ" dirty="0">
+                <a:solidFill>
+                  <a:schemeClr val="bg1"/>
+                </a:solidFill>
+              </a:rPr>
+              <a:t>to 5V, 2A </a:t>
+            </a:r>
+            <a:r>
+              <a:rPr lang="en-NZ" dirty="0" smtClean="0">
+                <a:solidFill>
+                  <a:schemeClr val="bg1"/>
+                </a:solidFill>
+              </a:rPr>
+              <a:t>single phase DC</a:t>
+            </a:r>
+            <a:endParaRPr lang="en-NZ" dirty="0">
+              <a:solidFill>
+                <a:schemeClr val="bg1"/>
+              </a:solidFill>
+            </a:endParaRPr>
+          </a:p>
+          <a:p>
+            <a:endParaRPr lang="en-NZ" dirty="0">
+              <a:solidFill>
+                <a:schemeClr val="bg1"/>
+              </a:solidFill>
+            </a:endParaRPr>
+          </a:p>
+          <a:p>
+            <a:endParaRPr lang="en-NZ" dirty="0" smtClean="0">
+              <a:solidFill>
+                <a:schemeClr val="bg1"/>
+              </a:solidFill>
+            </a:endParaRPr>
+          </a:p>
+          <a:p>
+            <a:endParaRPr lang="en-US" dirty="0" smtClean="0">
+              <a:solidFill>
+                <a:schemeClr val="bg1"/>
+              </a:solidFill>
+            </a:endParaRPr>
+          </a:p>
+          <a:p>
+            <a:endParaRPr lang="en-US" dirty="0">
+              <a:solidFill>
+                <a:schemeClr val="bg1"/>
+              </a:solidFill>
+            </a:endParaRPr>
+          </a:p>
+        </p:txBody>
+      </p:sp>
+      <p:graphicFrame>
+        <p:nvGraphicFramePr>
+          <p:cNvPr id="5" name="Object 4"/>
+          <p:cNvGraphicFramePr>
+            <a:graphicFrameLocks noChangeAspect="1"/>
+          </p:cNvGraphicFramePr>
+          <p:nvPr>
+            <p:extLst>
+              <p:ext uri="{D42A27DB-BD31-4B8C-83A1-F6EECF244321}">
+                <p14:modId xmlns:p14="http://schemas.microsoft.com/office/powerpoint/2010/main" xmlns="" val="2578155627"/>
+              </p:ext>
+            </p:extLst>
+          </p:nvPr>
+        </p:nvGraphicFramePr>
+        <p:xfrm>
+          <a:off x="755576" y="2852936"/>
+          <a:ext cx="7644849" cy="1080120"/>
+        </p:xfrm>
+        <a:graphic>
+          <a:graphicData uri="http://schemas.openxmlformats.org/presentationml/2006/ole">
+            <p:oleObj spid="_x0000_s40962" name="Visio" r:id="rId4" imgW="6066728" imgH="858215" progId="">
+              <p:embed/>
+            </p:oleObj>
+          </a:graphicData>
+        </a:graphic>
+      </p:graphicFrame>
+    </p:spTree>
+    <p:extLst>
+      <p:ext uri="{BB962C8B-B14F-4D97-AF65-F5344CB8AC3E}">
+        <p14:creationId xmlns:p14="http://schemas.microsoft.com/office/powerpoint/2010/main" xmlns="" val="3672211818"/>
+      </p:ext>
+    </p:extLst>
+  </p:cSld>
+  <p:clrMapOvr>
+    <a:masterClrMapping/>
+  </p:clrMapOvr>
+  <p:timing>
+    <p:tnLst>
+      <p:par>
+        <p:cTn id="1" dur="indefinite" restart="never" nodeType="tmRoot"/>
+      </p:par>
+    </p:tnLst>
+  </p:timing>
+</p:sld>
+</file>
+
+<file path=ppt/slides/slide12.xml><?xml version="1.0" encoding="utf-8"?>
+<p:sld xmlns:a="http://schemas.openxmlformats.org/drawingml/2006/main" xmlns:r="http://schemas.openxmlformats.org/officeDocument/2006/relationships" xmlns:p="http://schemas.openxmlformats.org/presentationml/2006/main">
+  <p:cSld>
+    <p:spTree>
+      <p:nvGrpSpPr>
+        <p:cNvPr id="1" name=""/>
+        <p:cNvGrpSpPr/>
+        <p:nvPr/>
+      </p:nvGrpSpPr>
+      <p:grpSpPr>
+        <a:xfrm>
+          <a:off x="0" y="0"/>
+          <a:ext cx="0" cy="0"/>
+          <a:chOff x="0" y="0"/>
+          <a:chExt cx="0" cy="0"/>
+        </a:xfrm>
+      </p:grpSpPr>
+      <p:sp>
+        <p:nvSpPr>
+          <p:cNvPr id="2" name="Title 1"/>
+          <p:cNvSpPr>
+            <a:spLocks noGrp="1"/>
+          </p:cNvSpPr>
+          <p:nvPr>
+            <p:ph type="title"/>
+          </p:nvPr>
+        </p:nvSpPr>
+        <p:spPr/>
+        <p:txBody>
+          <a:bodyPr/>
+          <a:lstStyle/>
+          <a:p>
+            <a:r>
+              <a:rPr lang="en-NZ" b="1" dirty="0" smtClean="0">
+                <a:solidFill>
+                  <a:schemeClr val="bg1"/>
+                </a:solidFill>
+              </a:rPr>
+              <a:t>Design Concept</a:t>
+            </a:r>
+            <a:endParaRPr lang="en-NZ" b="1" dirty="0">
+              <a:solidFill>
+                <a:schemeClr val="bg1"/>
+              </a:solidFill>
+            </a:endParaRPr>
+          </a:p>
+        </p:txBody>
+      </p:sp>
+      <p:pic>
+        <p:nvPicPr>
+          <p:cNvPr id="4" name="Content Placeholder 3"/>
+          <p:cNvPicPr>
+            <a:picLocks noGrp="1"/>
+          </p:cNvPicPr>
+          <p:nvPr>
+            <p:ph idx="1"/>
+          </p:nvPr>
+        </p:nvPicPr>
+        <p:blipFill rotWithShape="1">
+          <a:blip r:embed="rId3" cstate="print"/>
+          <a:srcRect l="40935" t="25239" r="21126" b="20767"/>
+          <a:stretch/>
+        </p:blipFill>
+        <p:spPr bwMode="auto">
+          <a:xfrm>
+            <a:off x="2027858" y="1600200"/>
+            <a:ext cx="5088284" cy="4525963"/>
+          </a:xfrm>
+          <a:prstGeom prst="rect">
+            <a:avLst/>
+          </a:prstGeom>
+          <a:ln>
+            <a:noFill/>
+          </a:ln>
+          <a:extLst>
+            <a:ext uri="{53640926-AAD7-44D8-BBD7-CCE9431645EC}">
+              <a14:shadowObscured xmlns:a14="http://schemas.microsoft.com/office/drawing/2010/main" xmlns=""/>
+            </a:ext>
+          </a:extLst>
+        </p:spPr>
+      </p:pic>
+    </p:spTree>
+    <p:extLst>
+      <p:ext uri="{BB962C8B-B14F-4D97-AF65-F5344CB8AC3E}">
+        <p14:creationId xmlns:p14="http://schemas.microsoft.com/office/powerpoint/2010/main" xmlns="" val="7013402"/>
+      </p:ext>
+    </p:extLst>
+  </p:cSld>
+  <p:clrMapOvr>
+    <a:masterClrMapping/>
+  </p:clrMapOvr>
+  <p:timing>
+    <p:tnLst>
+      <p:par>
+        <p:cTn id="1" dur="indefinite" restart="never" nodeType="tmRoot"/>
+      </p:par>
+    </p:tnLst>
+  </p:timing>
+</p:sld>
+</file>
+
+<file path=ppt/slides/slide13.xml><?xml version="1.0" encoding="utf-8"?>
+<p:sld xmlns:a="http://schemas.openxmlformats.org/drawingml/2006/main" xmlns:r="http://schemas.openxmlformats.org/officeDocument/2006/relationships" xmlns:p="http://schemas.openxmlformats.org/presentationml/2006/main">
+  <p:cSld>
+    <p:spTree>
+      <p:nvGrpSpPr>
+        <p:cNvPr id="1" name=""/>
+        <p:cNvGrpSpPr/>
+        <p:nvPr/>
+      </p:nvGrpSpPr>
+      <p:grpSpPr>
+        <a:xfrm>
+          <a:off x="0" y="0"/>
+          <a:ext cx="0" cy="0"/>
+          <a:chOff x="0" y="0"/>
+          <a:chExt cx="0" cy="0"/>
+        </a:xfrm>
+      </p:grpSpPr>
+      <p:sp>
+        <p:nvSpPr>
+          <p:cNvPr id="2" name="Title 1"/>
+          <p:cNvSpPr>
+            <a:spLocks noGrp="1"/>
+          </p:cNvSpPr>
+          <p:nvPr>
+            <p:ph type="title"/>
+          </p:nvPr>
+        </p:nvSpPr>
+        <p:spPr/>
+        <p:txBody>
+          <a:bodyPr/>
+          <a:lstStyle/>
+          <a:p>
+            <a:r>
+              <a:rPr lang="en-US" b="1" dirty="0" smtClean="0">
+                <a:solidFill>
+                  <a:schemeClr val="bg1"/>
+                </a:solidFill>
+              </a:rPr>
+              <a:t>Future Steps</a:t>
+            </a:r>
+            <a:endParaRPr lang="en-US" b="1" dirty="0">
+              <a:solidFill>
+                <a:schemeClr val="bg1"/>
+              </a:solidFill>
+            </a:endParaRPr>
+          </a:p>
+        </p:txBody>
+      </p:sp>
+      <p:sp>
+        <p:nvSpPr>
+          <p:cNvPr id="3" name="Content Placeholder 2"/>
+          <p:cNvSpPr>
+            <a:spLocks noGrp="1"/>
+          </p:cNvSpPr>
+          <p:nvPr>
+            <p:ph idx="1"/>
+          </p:nvPr>
+        </p:nvSpPr>
+        <p:spPr/>
+        <p:txBody>
+          <a:bodyPr/>
+          <a:lstStyle/>
+          <a:p>
+            <a:r>
+              <a:rPr lang="en-US" dirty="0" smtClean="0">
+                <a:solidFill>
+                  <a:schemeClr val="bg1"/>
+                </a:solidFill>
+              </a:rPr>
+              <a:t>Build tank tracks and use with motors to find exact characteristics</a:t>
+            </a:r>
+          </a:p>
+          <a:p>
+            <a:r>
+              <a:rPr lang="en-US" dirty="0" smtClean="0">
+                <a:solidFill>
+                  <a:schemeClr val="bg1"/>
+                </a:solidFill>
+              </a:rPr>
+              <a:t>Choose and purchase power converter</a:t>
+            </a:r>
+          </a:p>
+          <a:p>
+            <a:r>
+              <a:rPr lang="en-US" dirty="0" smtClean="0">
+                <a:solidFill>
+                  <a:schemeClr val="bg1"/>
+                </a:solidFill>
+              </a:rPr>
+              <a:t>Slowly build and test </a:t>
+            </a:r>
+          </a:p>
+          <a:p>
+            <a:r>
+              <a:rPr lang="en-US" dirty="0" smtClean="0">
+                <a:solidFill>
+                  <a:schemeClr val="bg1"/>
+                </a:solidFill>
+              </a:rPr>
+              <a:t>Final test in water tunnel with current coming through</a:t>
+            </a:r>
+            <a:endParaRPr lang="en-US" dirty="0">
+              <a:solidFill>
+                <a:schemeClr val="bg1"/>
+              </a:solidFill>
+            </a:endParaRPr>
+          </a:p>
+        </p:txBody>
+      </p:sp>
+    </p:spTree>
+    <p:extLst>
+      <p:ext uri="{BB962C8B-B14F-4D97-AF65-F5344CB8AC3E}">
+        <p14:creationId xmlns:p14="http://schemas.microsoft.com/office/powerpoint/2010/main" xmlns="" val="1500320497"/>
+      </p:ext>
+    </p:extLst>
+  </p:cSld>
+  <p:clrMapOvr>
+    <a:masterClrMapping/>
+  </p:clrMapOvr>
+  <p:timing>
+    <p:tnLst>
+      <p:par>
+        <p:cTn id="1" dur="indefinite" restart="never" nodeType="tmRoot"/>
+      </p:par>
+    </p:tnLst>
+  </p:timing>
+</p:sld>
+</file>
+
+<file path=ppt/slides/slide14.xml><?xml version="1.0" encoding="utf-8"?>
+<p:sld xmlns:a="http://schemas.openxmlformats.org/drawingml/2006/main" xmlns:r="http://schemas.openxmlformats.org/officeDocument/2006/relationships" xmlns:p="http://schemas.openxmlformats.org/presentationml/2006/main">
+  <p:cSld>
+    <p:spTree>
+      <p:nvGrpSpPr>
+        <p:cNvPr id="1" name=""/>
+        <p:cNvGrpSpPr/>
+        <p:nvPr/>
+      </p:nvGrpSpPr>
+      <p:grpSpPr>
+        <a:xfrm>
+          <a:off x="0" y="0"/>
+          <a:ext cx="0" cy="0"/>
+          <a:chOff x="0" y="0"/>
+          <a:chExt cx="0" cy="0"/>
+        </a:xfrm>
+      </p:grpSpPr>
+      <p:sp>
+        <p:nvSpPr>
+          <p:cNvPr id="2" name="Title 1"/>
+          <p:cNvSpPr>
+            <a:spLocks noGrp="1"/>
+          </p:cNvSpPr>
+          <p:nvPr>
+            <p:ph type="title"/>
+          </p:nvPr>
+        </p:nvSpPr>
+        <p:spPr/>
+        <p:txBody>
+          <a:bodyPr/>
+          <a:lstStyle/>
+          <a:p>
+            <a:r>
+              <a:rPr lang="en-NZ" b="1" dirty="0" smtClean="0">
+                <a:solidFill>
+                  <a:schemeClr val="bg1"/>
+                </a:solidFill>
+              </a:rPr>
+              <a:t>Conclusions</a:t>
+            </a:r>
+            <a:endParaRPr lang="en-NZ" b="1" dirty="0">
+              <a:solidFill>
+                <a:schemeClr val="bg1"/>
+              </a:solidFill>
+            </a:endParaRPr>
+          </a:p>
+        </p:txBody>
+      </p:sp>
+      <p:sp>
+        <p:nvSpPr>
+          <p:cNvPr id="3" name="Content Placeholder 2"/>
+          <p:cNvSpPr>
+            <a:spLocks noGrp="1"/>
+          </p:cNvSpPr>
+          <p:nvPr>
+            <p:ph idx="1"/>
+          </p:nvPr>
+        </p:nvSpPr>
+        <p:spPr>
+          <a:xfrm>
+            <a:off x="457200" y="1600200"/>
+            <a:ext cx="8229600" cy="4781127"/>
+          </a:xfrm>
+        </p:spPr>
+        <p:txBody>
+          <a:bodyPr>
+            <a:normAutofit/>
+          </a:bodyPr>
+          <a:lstStyle/>
+          <a:p>
+            <a:r>
+              <a:rPr lang="en-US" dirty="0" smtClean="0">
+                <a:solidFill>
+                  <a:schemeClr val="bg1"/>
+                </a:solidFill>
+              </a:rPr>
+              <a:t>Extreme Environment Investigated</a:t>
+            </a:r>
+          </a:p>
+          <a:p>
+            <a:r>
+              <a:rPr lang="en-US" dirty="0" smtClean="0">
+                <a:solidFill>
+                  <a:schemeClr val="bg1"/>
+                </a:solidFill>
+              </a:rPr>
+              <a:t>Novel method of power generation found</a:t>
+            </a:r>
+          </a:p>
+          <a:p>
+            <a:r>
+              <a:rPr lang="en-US" dirty="0" smtClean="0">
+                <a:solidFill>
+                  <a:schemeClr val="bg1"/>
+                </a:solidFill>
+              </a:rPr>
+              <a:t>A preliminary </a:t>
+            </a:r>
+            <a:r>
+              <a:rPr lang="en-US" dirty="0" smtClean="0">
+                <a:solidFill>
+                  <a:schemeClr val="bg1"/>
+                </a:solidFill>
+              </a:rPr>
+              <a:t>design has been </a:t>
+            </a:r>
+            <a:r>
+              <a:rPr lang="en-US" dirty="0" smtClean="0">
+                <a:solidFill>
+                  <a:schemeClr val="bg1"/>
+                </a:solidFill>
+              </a:rPr>
+              <a:t>made with future work in mind</a:t>
+            </a:r>
+          </a:p>
+          <a:p>
+            <a:r>
+              <a:rPr lang="en-US" dirty="0" smtClean="0">
+                <a:solidFill>
+                  <a:schemeClr val="bg1"/>
+                </a:solidFill>
+              </a:rPr>
+              <a:t>Different Generator may be required.</a:t>
+            </a:r>
+          </a:p>
+          <a:p>
+            <a:endParaRPr lang="en-US" dirty="0" smtClean="0">
+              <a:solidFill>
+                <a:schemeClr val="bg1"/>
+              </a:solidFill>
+            </a:endParaRPr>
+          </a:p>
+          <a:p>
+            <a:pPr marL="457200" lvl="1" indent="0">
+              <a:buNone/>
+            </a:pPr>
+            <a:endParaRPr lang="en-US" dirty="0">
+              <a:solidFill>
+                <a:schemeClr val="bg1"/>
+              </a:solidFill>
+            </a:endParaRPr>
+          </a:p>
+          <a:p>
+            <a:endParaRPr lang="en-NZ" dirty="0"/>
+          </a:p>
+        </p:txBody>
+      </p:sp>
+    </p:spTree>
+    <p:extLst>
+      <p:ext uri="{BB962C8B-B14F-4D97-AF65-F5344CB8AC3E}">
+        <p14:creationId xmlns:p14="http://schemas.microsoft.com/office/powerpoint/2010/main" xmlns="" val="1056299876"/>
+      </p:ext>
+    </p:extLst>
+  </p:cSld>
+  <p:clrMapOvr>
+    <a:masterClrMapping/>
+  </p:clrMapOvr>
+  <p:timing>
+    <p:tnLst>
+      <p:par>
+        <p:cTn id="1" dur="indefinite" restart="never" nodeType="tmRoot"/>
+      </p:par>
+    </p:tnLst>
+  </p:timing>
+</p:sld>
+</file>
+
+<file path=ppt/slides/slide15.xml><?xml version="1.0" encoding="utf-8"?>
+<p:sld xmlns:a="http://schemas.openxmlformats.org/drawingml/2006/main" xmlns:r="http://schemas.openxmlformats.org/officeDocument/2006/relationships" xmlns:p="http://schemas.openxmlformats.org/presentationml/2006/main">
+  <p:cSld>
+    <p:spTree>
+      <p:nvGrpSpPr>
+        <p:cNvPr id="1" name=""/>
+        <p:cNvGrpSpPr/>
+        <p:nvPr/>
+      </p:nvGrpSpPr>
+      <p:grpSpPr>
+        <a:xfrm>
+          <a:off x="0" y="0"/>
+          <a:ext cx="0" cy="0"/>
+          <a:chOff x="0" y="0"/>
+          <a:chExt cx="0" cy="0"/>
+        </a:xfrm>
+      </p:grpSpPr>
+      <p:sp>
+        <p:nvSpPr>
+          <p:cNvPr id="2" name="Title 1"/>
+          <p:cNvSpPr>
+            <a:spLocks noGrp="1"/>
+          </p:cNvSpPr>
+          <p:nvPr>
+            <p:ph type="title"/>
+          </p:nvPr>
+        </p:nvSpPr>
+        <p:spPr>
+          <a:xfrm>
+            <a:off x="457200" y="2270754"/>
+            <a:ext cx="8229600" cy="1143000"/>
+          </a:xfrm>
+        </p:spPr>
+        <p:txBody>
+          <a:bodyPr/>
+          <a:lstStyle/>
+          <a:p>
+            <a:r>
+              <a:rPr lang="en-US" b="1" dirty="0" smtClean="0">
+                <a:solidFill>
+                  <a:schemeClr val="bg1"/>
+                </a:solidFill>
+              </a:rPr>
+              <a:t>Questions?</a:t>
+            </a:r>
+            <a:endParaRPr lang="en-US" b="1" dirty="0">
+              <a:solidFill>
+                <a:schemeClr val="bg1"/>
+              </a:solidFill>
+            </a:endParaRPr>
+          </a:p>
+        </p:txBody>
+      </p:sp>
+    </p:spTree>
+    <p:extLst>
+      <p:ext uri="{BB962C8B-B14F-4D97-AF65-F5344CB8AC3E}">
+        <p14:creationId xmlns:p14="http://schemas.microsoft.com/office/powerpoint/2010/main" xmlns="" val="1766240157"/>
+      </p:ext>
+    </p:extLst>
+  </p:cSld>
+  <p:clrMapOvr>
+    <a:masterClrMapping/>
+  </p:clrMapOvr>
+  <p:timing>
+    <p:tnLst>
+      <p:par>
+        <p:cTn id="1" dur="indefinite" restart="never" nodeType="tmRoot"/>
+      </p:par>
+    </p:tnLst>
+  </p:timing>
+</p:sld>
+</file>
+
+<file path=ppt/slides/slide16.xml><?xml version="1.0" encoding="utf-8"?>
+<p:sld xmlns:a="http://schemas.openxmlformats.org/drawingml/2006/main" xmlns:r="http://schemas.openxmlformats.org/officeDocument/2006/relationships" xmlns:p="http://schemas.openxmlformats.org/presentationml/2006/main">
+  <p:cSld>
+    <p:spTree>
+      <p:nvGrpSpPr>
+        <p:cNvPr id="1" name=""/>
+        <p:cNvGrpSpPr/>
+        <p:nvPr/>
+      </p:nvGrpSpPr>
+      <p:grpSpPr>
+        <a:xfrm>
+          <a:off x="0" y="0"/>
+          <a:ext cx="0" cy="0"/>
+          <a:chOff x="0" y="0"/>
+          <a:chExt cx="0" cy="0"/>
+        </a:xfrm>
+      </p:grpSpPr>
+      <p:sp>
+        <p:nvSpPr>
+          <p:cNvPr id="2" name="Title 1"/>
+          <p:cNvSpPr>
+            <a:spLocks noGrp="1"/>
+          </p:cNvSpPr>
+          <p:nvPr>
+            <p:ph type="title"/>
+          </p:nvPr>
+        </p:nvSpPr>
+        <p:spPr/>
+        <p:txBody>
+          <a:bodyPr/>
+          <a:lstStyle/>
+          <a:p>
+            <a:r>
+              <a:rPr lang="en-US" b="1" dirty="0" smtClean="0">
+                <a:solidFill>
+                  <a:schemeClr val="bg1"/>
+                </a:solidFill>
+              </a:rPr>
+              <a:t>Cost</a:t>
+            </a:r>
+            <a:endParaRPr lang="en-US" b="1" dirty="0">
+              <a:solidFill>
+                <a:schemeClr val="bg1"/>
+              </a:solidFill>
+            </a:endParaRPr>
+          </a:p>
+        </p:txBody>
+      </p:sp>
+      <p:graphicFrame>
+        <p:nvGraphicFramePr>
+          <p:cNvPr id="5" name="Table 4"/>
+          <p:cNvGraphicFramePr>
+            <a:graphicFrameLocks noGrp="1"/>
+          </p:cNvGraphicFramePr>
+          <p:nvPr/>
+        </p:nvGraphicFramePr>
+        <p:xfrm>
+          <a:off x="914400" y="1504409"/>
+          <a:ext cx="7391400" cy="4732902"/>
+        </p:xfrm>
+        <a:graphic>
+          <a:graphicData uri="http://schemas.openxmlformats.org/drawingml/2006/table">
+            <a:tbl>
+              <a:tblPr firstRow="1" lastRow="1" bandRow="1">
+                <a:tableStyleId>{5C22544A-7EE6-4342-B048-85BDC9FD1C3A}</a:tableStyleId>
+              </a:tblPr>
+              <a:tblGrid>
+                <a:gridCol w="3695700"/>
+                <a:gridCol w="3695700"/>
+              </a:tblGrid>
+              <a:tr h="525878">
+                <a:tc>
+                  <a:txBody>
+                    <a:bodyPr/>
+                    <a:lstStyle/>
+                    <a:p>
+                      <a:pPr marL="0" marR="0" algn="just">
+                        <a:spcBef>
+                          <a:spcPts val="0"/>
+                        </a:spcBef>
+                        <a:spcAft>
+                          <a:spcPts val="0"/>
+                        </a:spcAft>
+                      </a:pPr>
+                      <a:r>
+                        <a:rPr lang="en-US" sz="2400" b="1" dirty="0">
+                          <a:solidFill>
+                            <a:srgbClr val="000000"/>
+                          </a:solidFill>
+                          <a:latin typeface="Times New Roman"/>
+                          <a:ea typeface="Times New Roman"/>
+                        </a:rPr>
+                        <a:t>Item</a:t>
+                      </a:r>
+                      <a:endParaRPr lang="en-US" sz="2400" dirty="0">
+                        <a:solidFill>
+                          <a:srgbClr val="000000"/>
+                        </a:solidFill>
+                        <a:latin typeface="Times New Roman"/>
+                        <a:ea typeface="Times New Roman"/>
+                      </a:endParaRPr>
+                    </a:p>
+                  </a:txBody>
+                  <a:tcPr marL="68580" marR="68580" marT="0" marB="0" anchor="ctr"/>
+                </a:tc>
+                <a:tc>
+                  <a:txBody>
+                    <a:bodyPr/>
+                    <a:lstStyle/>
+                    <a:p>
+                      <a:pPr marL="0" marR="0" algn="just">
+                        <a:spcBef>
+                          <a:spcPts val="0"/>
+                        </a:spcBef>
+                        <a:spcAft>
+                          <a:spcPts val="0"/>
+                        </a:spcAft>
+                      </a:pPr>
+                      <a:r>
+                        <a:rPr lang="en-US" sz="2400" b="1">
+                          <a:solidFill>
+                            <a:srgbClr val="000000"/>
+                          </a:solidFill>
+                          <a:latin typeface="Times New Roman"/>
+                          <a:ea typeface="Times New Roman"/>
+                        </a:rPr>
+                        <a:t>Cost</a:t>
+                      </a:r>
+                      <a:endParaRPr lang="en-US" sz="2400">
+                        <a:solidFill>
+                          <a:srgbClr val="000000"/>
+                        </a:solidFill>
+                        <a:latin typeface="Times New Roman"/>
+                        <a:ea typeface="Times New Roman"/>
+                      </a:endParaRPr>
+                    </a:p>
+                  </a:txBody>
+                  <a:tcPr marL="68580" marR="68580" marT="0" marB="0" anchor="ctr"/>
+                </a:tc>
+              </a:tr>
+              <a:tr h="525878">
+                <a:tc>
+                  <a:txBody>
+                    <a:bodyPr/>
+                    <a:lstStyle/>
+                    <a:p>
+                      <a:pPr marL="0" marR="0" algn="just">
+                        <a:spcBef>
+                          <a:spcPts val="0"/>
+                        </a:spcBef>
+                        <a:spcAft>
+                          <a:spcPts val="0"/>
+                        </a:spcAft>
+                      </a:pPr>
+                      <a:r>
+                        <a:rPr lang="en-US" sz="2400" b="1">
+                          <a:solidFill>
+                            <a:srgbClr val="000000"/>
+                          </a:solidFill>
+                          <a:latin typeface="Times New Roman"/>
+                          <a:ea typeface="Times New Roman"/>
+                        </a:rPr>
+                        <a:t>Generator</a:t>
+                      </a:r>
+                      <a:endParaRPr lang="en-US" sz="2400">
+                        <a:solidFill>
+                          <a:srgbClr val="000000"/>
+                        </a:solidFill>
+                        <a:latin typeface="Times New Roman"/>
+                        <a:ea typeface="Times New Roman"/>
+                      </a:endParaRPr>
+                    </a:p>
+                  </a:txBody>
+                  <a:tcPr marL="68580" marR="68580" marT="0" marB="0" anchor="ctr"/>
+                </a:tc>
+                <a:tc>
+                  <a:txBody>
+                    <a:bodyPr/>
+                    <a:lstStyle/>
+                    <a:p>
+                      <a:pPr marL="0" marR="0" algn="just">
+                        <a:spcBef>
+                          <a:spcPts val="0"/>
+                        </a:spcBef>
+                        <a:spcAft>
+                          <a:spcPts val="0"/>
+                        </a:spcAft>
+                      </a:pPr>
+                      <a:r>
+                        <a:rPr lang="en-US" sz="2400" dirty="0" smtClean="0">
+                          <a:solidFill>
+                            <a:srgbClr val="000000"/>
+                          </a:solidFill>
+                          <a:latin typeface="Times New Roman"/>
+                          <a:ea typeface="Times New Roman"/>
+                        </a:rPr>
+                        <a:t>$180</a:t>
+                      </a:r>
+                      <a:endParaRPr lang="en-US" sz="2400" dirty="0">
+                        <a:solidFill>
+                          <a:srgbClr val="000000"/>
+                        </a:solidFill>
+                        <a:latin typeface="Times New Roman"/>
+                        <a:ea typeface="Times New Roman"/>
+                      </a:endParaRPr>
+                    </a:p>
+                  </a:txBody>
+                  <a:tcPr marL="68580" marR="68580" marT="0" marB="0" anchor="ctr"/>
+                </a:tc>
+              </a:tr>
+              <a:tr h="525878">
+                <a:tc>
+                  <a:txBody>
+                    <a:bodyPr/>
+                    <a:lstStyle/>
+                    <a:p>
+                      <a:pPr marL="0" marR="0" algn="just">
+                        <a:spcBef>
+                          <a:spcPts val="0"/>
+                        </a:spcBef>
+                        <a:spcAft>
+                          <a:spcPts val="0"/>
+                        </a:spcAft>
+                      </a:pPr>
+                      <a:r>
+                        <a:rPr lang="en-US" sz="2400" b="1">
+                          <a:solidFill>
+                            <a:srgbClr val="000000"/>
+                          </a:solidFill>
+                          <a:latin typeface="Times New Roman"/>
+                          <a:ea typeface="Times New Roman"/>
+                        </a:rPr>
+                        <a:t>Motor (x2)</a:t>
+                      </a:r>
+                      <a:endParaRPr lang="en-US" sz="2400">
+                        <a:solidFill>
+                          <a:srgbClr val="000000"/>
+                        </a:solidFill>
+                        <a:latin typeface="Times New Roman"/>
+                        <a:ea typeface="Times New Roman"/>
+                      </a:endParaRPr>
+                    </a:p>
+                  </a:txBody>
+                  <a:tcPr marL="68580" marR="68580" marT="0" marB="0" anchor="ctr"/>
+                </a:tc>
+                <a:tc>
+                  <a:txBody>
+                    <a:bodyPr/>
+                    <a:lstStyle/>
+                    <a:p>
+                      <a:pPr marL="0" marR="0" algn="just">
+                        <a:spcBef>
+                          <a:spcPts val="0"/>
+                        </a:spcBef>
+                        <a:spcAft>
+                          <a:spcPts val="0"/>
+                        </a:spcAft>
+                      </a:pPr>
+                      <a:r>
+                        <a:rPr lang="en-US" sz="2400" dirty="0">
+                          <a:solidFill>
+                            <a:srgbClr val="000000"/>
+                          </a:solidFill>
+                          <a:latin typeface="Times New Roman"/>
+                          <a:ea typeface="Times New Roman"/>
+                        </a:rPr>
+                        <a:t>$51</a:t>
+                      </a:r>
+                    </a:p>
+                  </a:txBody>
+                  <a:tcPr marL="68580" marR="68580" marT="0" marB="0" anchor="ctr"/>
+                </a:tc>
+              </a:tr>
+              <a:tr h="525878">
+                <a:tc>
+                  <a:txBody>
+                    <a:bodyPr/>
+                    <a:lstStyle/>
+                    <a:p>
+                      <a:pPr marL="0" marR="0" algn="just">
+                        <a:spcBef>
+                          <a:spcPts val="0"/>
+                        </a:spcBef>
+                        <a:spcAft>
+                          <a:spcPts val="0"/>
+                        </a:spcAft>
+                      </a:pPr>
+                      <a:r>
+                        <a:rPr lang="en-US" sz="2400" b="1">
+                          <a:solidFill>
+                            <a:srgbClr val="000000"/>
+                          </a:solidFill>
+                          <a:latin typeface="Times New Roman"/>
+                          <a:ea typeface="Times New Roman"/>
+                        </a:rPr>
+                        <a:t>Turbine</a:t>
+                      </a:r>
+                      <a:endParaRPr lang="en-US" sz="2400">
+                        <a:solidFill>
+                          <a:srgbClr val="000000"/>
+                        </a:solidFill>
+                        <a:latin typeface="Times New Roman"/>
+                        <a:ea typeface="Times New Roman"/>
+                      </a:endParaRPr>
+                    </a:p>
+                  </a:txBody>
+                  <a:tcPr marL="68580" marR="68580" marT="0" marB="0" anchor="ctr"/>
+                </a:tc>
+                <a:tc>
+                  <a:txBody>
+                    <a:bodyPr/>
+                    <a:lstStyle/>
+                    <a:p>
+                      <a:pPr marL="0" marR="0" algn="just">
+                        <a:spcBef>
+                          <a:spcPts val="0"/>
+                        </a:spcBef>
+                        <a:spcAft>
+                          <a:spcPts val="0"/>
+                        </a:spcAft>
+                      </a:pPr>
+                      <a:r>
+                        <a:rPr lang="en-US" sz="2400" dirty="0">
+                          <a:solidFill>
+                            <a:srgbClr val="000000"/>
+                          </a:solidFill>
+                          <a:latin typeface="Times New Roman"/>
+                          <a:ea typeface="Times New Roman"/>
+                        </a:rPr>
+                        <a:t>$25</a:t>
+                      </a:r>
+                    </a:p>
+                  </a:txBody>
+                  <a:tcPr marL="68580" marR="68580" marT="0" marB="0" anchor="ctr"/>
+                </a:tc>
+              </a:tr>
+              <a:tr h="525878">
+                <a:tc>
+                  <a:txBody>
+                    <a:bodyPr/>
+                    <a:lstStyle/>
+                    <a:p>
+                      <a:pPr marL="0" marR="0" algn="just">
+                        <a:spcBef>
+                          <a:spcPts val="0"/>
+                        </a:spcBef>
+                        <a:spcAft>
+                          <a:spcPts val="0"/>
+                        </a:spcAft>
+                      </a:pPr>
+                      <a:r>
+                        <a:rPr lang="en-US" sz="2400" b="1" dirty="0" smtClean="0">
+                          <a:solidFill>
+                            <a:srgbClr val="000000"/>
+                          </a:solidFill>
+                          <a:latin typeface="Times New Roman"/>
+                          <a:ea typeface="Times New Roman"/>
+                        </a:rPr>
+                        <a:t>Power Converter</a:t>
+                      </a:r>
+                      <a:endParaRPr lang="en-US" sz="2400" b="1" dirty="0">
+                        <a:solidFill>
+                          <a:srgbClr val="000000"/>
+                        </a:solidFill>
+                        <a:latin typeface="Times New Roman"/>
+                        <a:ea typeface="Times New Roman"/>
+                      </a:endParaRPr>
+                    </a:p>
+                  </a:txBody>
+                  <a:tcPr marL="68580" marR="68580" marT="0" marB="0" anchor="ctr"/>
+                </a:tc>
+                <a:tc>
+                  <a:txBody>
+                    <a:bodyPr/>
+                    <a:lstStyle/>
+                    <a:p>
+                      <a:pPr marL="0" marR="0" algn="just">
+                        <a:spcBef>
+                          <a:spcPts val="0"/>
+                        </a:spcBef>
+                        <a:spcAft>
+                          <a:spcPts val="0"/>
+                        </a:spcAft>
+                      </a:pPr>
+                      <a:r>
+                        <a:rPr lang="en-US" sz="2400" dirty="0" smtClean="0">
+                          <a:solidFill>
+                            <a:srgbClr val="000000"/>
+                          </a:solidFill>
+                          <a:latin typeface="Times New Roman"/>
+                          <a:ea typeface="Times New Roman"/>
+                        </a:rPr>
+                        <a:t>$15</a:t>
+                      </a:r>
+                      <a:endParaRPr lang="en-US" sz="2400" dirty="0">
+                        <a:solidFill>
+                          <a:srgbClr val="000000"/>
+                        </a:solidFill>
+                        <a:latin typeface="Times New Roman"/>
+                        <a:ea typeface="Times New Roman"/>
+                      </a:endParaRPr>
+                    </a:p>
+                  </a:txBody>
+                  <a:tcPr marL="68580" marR="68580" marT="0" marB="0" anchor="ctr"/>
+                </a:tc>
+              </a:tr>
+              <a:tr h="525878">
+                <a:tc>
+                  <a:txBody>
+                    <a:bodyPr/>
+                    <a:lstStyle/>
+                    <a:p>
+                      <a:pPr marL="0" marR="0" algn="just">
+                        <a:spcBef>
+                          <a:spcPts val="0"/>
+                        </a:spcBef>
+                        <a:spcAft>
+                          <a:spcPts val="0"/>
+                        </a:spcAft>
+                      </a:pPr>
+                      <a:r>
+                        <a:rPr lang="en-US" sz="2400" b="1">
+                          <a:solidFill>
+                            <a:srgbClr val="000000"/>
+                          </a:solidFill>
+                          <a:latin typeface="Times New Roman"/>
+                          <a:ea typeface="Times New Roman"/>
+                        </a:rPr>
+                        <a:t>Tank tracks and wheels</a:t>
+                      </a:r>
+                      <a:endParaRPr lang="en-US" sz="2400">
+                        <a:solidFill>
+                          <a:srgbClr val="000000"/>
+                        </a:solidFill>
+                        <a:latin typeface="Times New Roman"/>
+                        <a:ea typeface="Times New Roman"/>
+                      </a:endParaRPr>
+                    </a:p>
+                  </a:txBody>
+                  <a:tcPr marL="68580" marR="68580" marT="0" marB="0" anchor="ctr"/>
+                </a:tc>
+                <a:tc>
+                  <a:txBody>
+                    <a:bodyPr/>
+                    <a:lstStyle/>
+                    <a:p>
+                      <a:pPr marL="0" marR="0" algn="just">
+                        <a:spcBef>
+                          <a:spcPts val="0"/>
+                        </a:spcBef>
+                        <a:spcAft>
+                          <a:spcPts val="0"/>
+                        </a:spcAft>
+                      </a:pPr>
+                      <a:r>
+                        <a:rPr lang="en-US" sz="2400" dirty="0">
+                          <a:solidFill>
+                            <a:srgbClr val="000000"/>
+                          </a:solidFill>
+                          <a:latin typeface="Times New Roman"/>
+                          <a:ea typeface="Times New Roman"/>
+                        </a:rPr>
+                        <a:t>$50</a:t>
+                      </a:r>
+                    </a:p>
+                  </a:txBody>
+                  <a:tcPr marL="68580" marR="68580" marT="0" marB="0" anchor="ctr"/>
+                </a:tc>
+              </a:tr>
+              <a:tr h="525878">
+                <a:tc>
+                  <a:txBody>
+                    <a:bodyPr/>
+                    <a:lstStyle/>
+                    <a:p>
+                      <a:pPr marL="0" marR="0" algn="just">
+                        <a:spcBef>
+                          <a:spcPts val="0"/>
+                        </a:spcBef>
+                        <a:spcAft>
+                          <a:spcPts val="0"/>
+                        </a:spcAft>
+                      </a:pPr>
+                      <a:r>
+                        <a:rPr lang="en-US" sz="2400" b="1">
+                          <a:solidFill>
+                            <a:srgbClr val="000000"/>
+                          </a:solidFill>
+                          <a:latin typeface="Times New Roman"/>
+                          <a:ea typeface="Times New Roman"/>
+                        </a:rPr>
+                        <a:t>Enclosure</a:t>
+                      </a:r>
+                      <a:endParaRPr lang="en-US" sz="2400">
+                        <a:solidFill>
+                          <a:srgbClr val="000000"/>
+                        </a:solidFill>
+                        <a:latin typeface="Times New Roman"/>
+                        <a:ea typeface="Times New Roman"/>
+                      </a:endParaRPr>
+                    </a:p>
+                  </a:txBody>
+                  <a:tcPr marL="68580" marR="68580" marT="0" marB="0" anchor="ctr"/>
+                </a:tc>
+                <a:tc>
+                  <a:txBody>
+                    <a:bodyPr/>
+                    <a:lstStyle/>
+                    <a:p>
+                      <a:pPr marL="0" marR="0" algn="just">
+                        <a:spcBef>
+                          <a:spcPts val="0"/>
+                        </a:spcBef>
+                        <a:spcAft>
+                          <a:spcPts val="0"/>
+                        </a:spcAft>
+                      </a:pPr>
+                      <a:r>
+                        <a:rPr lang="en-US" sz="2400" dirty="0">
+                          <a:solidFill>
+                            <a:srgbClr val="000000"/>
+                          </a:solidFill>
+                          <a:latin typeface="Times New Roman"/>
+                          <a:ea typeface="Times New Roman"/>
+                        </a:rPr>
+                        <a:t>$50</a:t>
+                      </a:r>
+                    </a:p>
+                  </a:txBody>
+                  <a:tcPr marL="68580" marR="68580" marT="0" marB="0" anchor="ctr"/>
+                </a:tc>
+              </a:tr>
+              <a:tr h="525878">
+                <a:tc>
+                  <a:txBody>
+                    <a:bodyPr/>
+                    <a:lstStyle/>
+                    <a:p>
+                      <a:pPr marL="0" marR="0" algn="just">
+                        <a:spcBef>
+                          <a:spcPts val="0"/>
+                        </a:spcBef>
+                        <a:spcAft>
+                          <a:spcPts val="0"/>
+                        </a:spcAft>
+                      </a:pPr>
+                      <a:r>
+                        <a:rPr lang="en-US" sz="2400" b="1">
+                          <a:solidFill>
+                            <a:srgbClr val="000000"/>
+                          </a:solidFill>
+                          <a:latin typeface="Times New Roman"/>
+                          <a:ea typeface="Times New Roman"/>
+                        </a:rPr>
+                        <a:t>Oil</a:t>
+                      </a:r>
+                      <a:endParaRPr lang="en-US" sz="2400">
+                        <a:solidFill>
+                          <a:srgbClr val="000000"/>
+                        </a:solidFill>
+                        <a:latin typeface="Times New Roman"/>
+                        <a:ea typeface="Times New Roman"/>
+                      </a:endParaRPr>
+                    </a:p>
+                  </a:txBody>
+                  <a:tcPr marL="68580" marR="68580" marT="0" marB="0" anchor="ctr"/>
+                </a:tc>
+                <a:tc>
+                  <a:txBody>
+                    <a:bodyPr/>
+                    <a:lstStyle/>
+                    <a:p>
+                      <a:pPr marL="0" marR="0" algn="just">
+                        <a:spcBef>
+                          <a:spcPts val="0"/>
+                        </a:spcBef>
+                        <a:spcAft>
+                          <a:spcPts val="0"/>
+                        </a:spcAft>
+                      </a:pPr>
+                      <a:r>
+                        <a:rPr lang="en-US" sz="2400">
+                          <a:solidFill>
+                            <a:srgbClr val="000000"/>
+                          </a:solidFill>
+                          <a:latin typeface="Times New Roman"/>
+                          <a:ea typeface="Times New Roman"/>
+                        </a:rPr>
+                        <a:t>$10</a:t>
+                      </a:r>
+                    </a:p>
+                  </a:txBody>
+                  <a:tcPr marL="68580" marR="68580" marT="0" marB="0" anchor="ctr"/>
+                </a:tc>
+              </a:tr>
+              <a:tr h="525878">
+                <a:tc>
+                  <a:txBody>
+                    <a:bodyPr/>
+                    <a:lstStyle/>
+                    <a:p>
+                      <a:pPr marL="0" marR="0" algn="just">
+                        <a:spcBef>
+                          <a:spcPts val="0"/>
+                        </a:spcBef>
+                        <a:spcAft>
+                          <a:spcPts val="0"/>
+                        </a:spcAft>
+                      </a:pPr>
+                      <a:r>
+                        <a:rPr lang="en-US" sz="2400" b="1">
+                          <a:solidFill>
+                            <a:srgbClr val="000000"/>
+                          </a:solidFill>
+                          <a:latin typeface="Times New Roman"/>
+                          <a:ea typeface="Times New Roman"/>
+                        </a:rPr>
+                        <a:t>Total</a:t>
+                      </a:r>
+                      <a:endParaRPr lang="en-US" sz="2400">
+                        <a:solidFill>
+                          <a:srgbClr val="000000"/>
+                        </a:solidFill>
+                        <a:latin typeface="Times New Roman"/>
+                        <a:ea typeface="Times New Roman"/>
+                      </a:endParaRPr>
+                    </a:p>
+                  </a:txBody>
+                  <a:tcPr marL="68580" marR="68580" marT="0" marB="0" anchor="ctr"/>
+                </a:tc>
+                <a:tc>
+                  <a:txBody>
+                    <a:bodyPr/>
+                    <a:lstStyle/>
+                    <a:p>
+                      <a:pPr marL="0" marR="0" algn="just">
+                        <a:spcBef>
+                          <a:spcPts val="0"/>
+                        </a:spcBef>
+                        <a:spcAft>
+                          <a:spcPts val="0"/>
+                        </a:spcAft>
+                      </a:pPr>
+                      <a:r>
+                        <a:rPr lang="en-US" sz="2400" dirty="0" smtClean="0">
+                          <a:solidFill>
+                            <a:srgbClr val="000000"/>
+                          </a:solidFill>
+                          <a:latin typeface="Times New Roman"/>
+                          <a:ea typeface="Times New Roman"/>
+                        </a:rPr>
+                        <a:t>$</a:t>
+                      </a:r>
+                      <a:r>
+                        <a:rPr lang="en-US" sz="2400" dirty="0" smtClean="0">
+                          <a:solidFill>
+                            <a:srgbClr val="000000"/>
+                          </a:solidFill>
+                          <a:latin typeface="Times New Roman"/>
+                          <a:ea typeface="Times New Roman"/>
+                        </a:rPr>
+                        <a:t>381</a:t>
+                      </a:r>
+                      <a:endParaRPr lang="en-US" sz="2400" dirty="0">
+                        <a:solidFill>
+                          <a:srgbClr val="000000"/>
+                        </a:solidFill>
+                        <a:latin typeface="Times New Roman"/>
+                        <a:ea typeface="Times New Roman"/>
+                      </a:endParaRPr>
+                    </a:p>
+                  </a:txBody>
+                  <a:tcPr marL="68580" marR="68580" marT="0" marB="0" anchor="ctr"/>
+                </a:tc>
+              </a:tr>
+            </a:tbl>
+          </a:graphicData>
+        </a:graphic>
+      </p:graphicFrame>
+    </p:spTree>
+    <p:extLst>
+      <p:ext uri="{BB962C8B-B14F-4D97-AF65-F5344CB8AC3E}">
+        <p14:creationId xmlns:p14="http://schemas.microsoft.com/office/powerpoint/2010/main" xmlns="" val="992785411"/>
+      </p:ext>
+    </p:extLst>
+  </p:cSld>
+  <p:clrMapOvr>
+    <a:masterClrMapping/>
+  </p:clrMapOvr>
+  <p:timing>
+    <p:tnLst>
+      <p:par>
+        <p:cTn id="1" dur="indefinite" restart="never" nodeType="tmRoot"/>
+      </p:par>
+    </p:tnLst>
+  </p:timing>
+</p:sld>
+</file>
+
+<file path=ppt/slides/slide17.xml><?xml version="1.0" encoding="utf-8"?>
+<p:sld xmlns:a="http://schemas.openxmlformats.org/drawingml/2006/main" xmlns:r="http://schemas.openxmlformats.org/officeDocument/2006/relationships" xmlns:p="http://schemas.openxmlformats.org/presentationml/2006/main">
+  <p:cSld>
+    <p:spTree>
+      <p:nvGrpSpPr>
+        <p:cNvPr id="1" name=""/>
+        <p:cNvGrpSpPr/>
+        <p:nvPr/>
+      </p:nvGrpSpPr>
+      <p:grpSpPr>
+        <a:xfrm>
+          <a:off x="0" y="0"/>
+          <a:ext cx="0" cy="0"/>
+          <a:chOff x="0" y="0"/>
+          <a:chExt cx="0" cy="0"/>
+        </a:xfrm>
+      </p:grpSpPr>
+      <p:sp>
+        <p:nvSpPr>
+          <p:cNvPr id="2" name="Title 1"/>
+          <p:cNvSpPr>
+            <a:spLocks noGrp="1"/>
+          </p:cNvSpPr>
+          <p:nvPr>
+            <p:ph type="title"/>
+          </p:nvPr>
+        </p:nvSpPr>
+        <p:spPr/>
+        <p:txBody>
+          <a:bodyPr/>
+          <a:lstStyle/>
+          <a:p>
+            <a:r>
+              <a:rPr lang="en-US" b="1" dirty="0" smtClean="0">
+                <a:solidFill>
+                  <a:schemeClr val="bg1"/>
+                </a:solidFill>
+              </a:rPr>
+              <a:t>Testing – Generator</a:t>
+            </a:r>
+            <a:endParaRPr lang="en-US" b="1" dirty="0">
+              <a:solidFill>
+                <a:schemeClr val="bg1"/>
+              </a:solidFill>
+            </a:endParaRPr>
+          </a:p>
+        </p:txBody>
+      </p:sp>
       <p:grpSp>
         <p:nvGrpSpPr>
-          <p:cNvPr id="4" name="Group 3"/>
+          <p:cNvPr id="3" name="Group 3"/>
           <p:cNvGrpSpPr/>
           <p:nvPr/>
         </p:nvGrpSpPr>
@@ -6379,7 +7880,7 @@
         </p:sp>
         <p:grpSp>
           <p:nvGrpSpPr>
-            <p:cNvPr id="7" name="Group 2"/>
+            <p:cNvPr id="4" name="Group 2"/>
             <p:cNvGrpSpPr>
               <a:grpSpLocks/>
             </p:cNvGrpSpPr>
@@ -6396,7 +7897,7 @@
           </p:grpSpPr>
           <p:grpSp>
             <p:nvGrpSpPr>
-              <p:cNvPr id="8" name="Group 3"/>
+              <p:cNvPr id="5" name="Group 3"/>
               <p:cNvGrpSpPr>
                 <a:grpSpLocks/>
               </p:cNvGrpSpPr>
@@ -7117,1334 +8618,20 @@
     </p:spTree>
     <p:extLst>
       <p:ext uri="{BB962C8B-B14F-4D97-AF65-F5344CB8AC3E}">
-        <p14:creationId xmlns="" xmlns:p14="http://schemas.microsoft.com/office/powerpoint/2010/main" val="1201701087"/>
+        <p14:creationId xmlns:p14="http://schemas.microsoft.com/office/powerpoint/2010/main" xmlns="" val="1201701087"/>
       </p:ext>
     </p:extLst>
   </p:cSld>
   <p:clrMapOvr>
     <a:masterClrMapping/>
   </p:clrMapOvr>
-</p:sld>
-</file>
-
-<file path=ppt/slides/slide12.xml><?xml version="1.0" encoding="utf-8"?>
-<p:sld xmlns:a="http://schemas.openxmlformats.org/drawingml/2006/main" xmlns:r="http://schemas.openxmlformats.org/officeDocument/2006/relationships" xmlns:p="http://schemas.openxmlformats.org/presentationml/2006/main">
-  <p:cSld>
-    <p:spTree>
-      <p:nvGrpSpPr>
-        <p:cNvPr id="1" name=""/>
-        <p:cNvGrpSpPr/>
-        <p:nvPr/>
-      </p:nvGrpSpPr>
-      <p:grpSpPr>
-        <a:xfrm>
-          <a:off x="0" y="0"/>
-          <a:ext cx="0" cy="0"/>
-          <a:chOff x="0" y="0"/>
-          <a:chExt cx="0" cy="0"/>
-        </a:xfrm>
-      </p:grpSpPr>
-      <p:sp>
-        <p:nvSpPr>
-          <p:cNvPr id="2" name="Title 1"/>
-          <p:cNvSpPr>
-            <a:spLocks noGrp="1"/>
-          </p:cNvSpPr>
-          <p:nvPr>
-            <p:ph type="title"/>
-          </p:nvPr>
-        </p:nvSpPr>
-        <p:spPr/>
-        <p:txBody>
-          <a:bodyPr/>
-          <a:lstStyle/>
-          <a:p>
-            <a:r>
-              <a:rPr lang="en-US" b="1" dirty="0" smtClean="0">
-                <a:solidFill>
-                  <a:schemeClr val="bg1"/>
-                </a:solidFill>
-              </a:rPr>
-              <a:t>Generator Test Results</a:t>
-            </a:r>
-            <a:endParaRPr lang="en-US" b="1" dirty="0">
-              <a:solidFill>
-                <a:schemeClr val="bg1"/>
-              </a:solidFill>
-            </a:endParaRPr>
-          </a:p>
-        </p:txBody>
-      </p:sp>
-      <p:sp>
-        <p:nvSpPr>
-          <p:cNvPr id="3" name="Content Placeholder 2"/>
-          <p:cNvSpPr>
-            <a:spLocks noGrp="1"/>
-          </p:cNvSpPr>
-          <p:nvPr>
-            <p:ph idx="1"/>
-          </p:nvPr>
-        </p:nvSpPr>
-        <p:spPr/>
-        <p:txBody>
-          <a:bodyPr>
-            <a:normAutofit/>
-          </a:bodyPr>
-          <a:lstStyle/>
-          <a:p>
-            <a:r>
-              <a:rPr lang="en-US" dirty="0" smtClean="0">
-                <a:solidFill>
-                  <a:schemeClr val="bg1"/>
-                </a:solidFill>
-              </a:rPr>
-              <a:t>Maximum Power Output at 0.5</a:t>
-            </a:r>
-            <a:r>
-              <a:rPr lang="el-GR" dirty="0" smtClean="0">
-                <a:solidFill>
-                  <a:schemeClr val="bg1"/>
-                </a:solidFill>
-              </a:rPr>
-              <a:t>Ω</a:t>
-            </a:r>
-            <a:r>
-              <a:rPr lang="en-US" dirty="0" smtClean="0">
-                <a:solidFill>
-                  <a:schemeClr val="bg1"/>
-                </a:solidFill>
-              </a:rPr>
-              <a:t> = 70W</a:t>
-            </a:r>
-          </a:p>
-          <a:p>
-            <a:r>
-              <a:rPr lang="en-US" dirty="0" smtClean="0">
-                <a:solidFill>
-                  <a:schemeClr val="bg1"/>
-                </a:solidFill>
-              </a:rPr>
-              <a:t>Speed required for 25W = 2400rpm</a:t>
-            </a:r>
-          </a:p>
-          <a:p>
-            <a:r>
-              <a:rPr lang="en-US" dirty="0" smtClean="0">
-                <a:solidFill>
-                  <a:schemeClr val="bg1"/>
-                </a:solidFill>
-              </a:rPr>
-              <a:t>Voltage given at 2400rpm = 4.7 V</a:t>
-            </a:r>
-          </a:p>
-          <a:p>
-            <a:r>
-              <a:rPr lang="en-US" dirty="0" smtClean="0">
-                <a:solidFill>
-                  <a:schemeClr val="bg1"/>
-                </a:solidFill>
-              </a:rPr>
-              <a:t>Current given at 2400 rpm = 5.4 A</a:t>
-            </a:r>
-          </a:p>
-          <a:p>
-            <a:r>
-              <a:rPr lang="en-NZ" dirty="0">
-                <a:solidFill>
-                  <a:schemeClr val="bg1"/>
-                </a:solidFill>
-              </a:rPr>
-              <a:t>Gearbox required is </a:t>
-            </a:r>
-            <a:r>
-              <a:rPr lang="en-NZ" dirty="0" smtClean="0">
-                <a:solidFill>
-                  <a:schemeClr val="bg1"/>
-                </a:solidFill>
-              </a:rPr>
-              <a:t>19:1</a:t>
-            </a:r>
-          </a:p>
-          <a:p>
-            <a:r>
-              <a:rPr lang="en-NZ" dirty="0" smtClean="0">
-                <a:solidFill>
-                  <a:schemeClr val="bg1"/>
-                </a:solidFill>
-              </a:rPr>
-              <a:t>Parallel </a:t>
-            </a:r>
-            <a:r>
-              <a:rPr lang="en-NZ" dirty="0">
-                <a:solidFill>
-                  <a:schemeClr val="bg1"/>
-                </a:solidFill>
-              </a:rPr>
-              <a:t>output motors to decrease resistance </a:t>
-            </a:r>
-            <a:r>
-              <a:rPr lang="en-NZ" dirty="0" smtClean="0">
-                <a:solidFill>
-                  <a:schemeClr val="bg1"/>
-                </a:solidFill>
-              </a:rPr>
-              <a:t>seen by generator</a:t>
-            </a:r>
-            <a:endParaRPr lang="en-NZ" dirty="0">
-              <a:solidFill>
-                <a:schemeClr val="bg1"/>
-              </a:solidFill>
-            </a:endParaRPr>
-          </a:p>
-          <a:p>
-            <a:endParaRPr lang="en-US" dirty="0" smtClean="0">
-              <a:solidFill>
-                <a:schemeClr val="bg1"/>
-              </a:solidFill>
-            </a:endParaRPr>
-          </a:p>
-          <a:p>
-            <a:endParaRPr lang="en-US" dirty="0">
-              <a:solidFill>
-                <a:schemeClr val="bg1"/>
-              </a:solidFill>
-            </a:endParaRPr>
-          </a:p>
-        </p:txBody>
-      </p:sp>
-    </p:spTree>
-    <p:extLst>
-      <p:ext uri="{BB962C8B-B14F-4D97-AF65-F5344CB8AC3E}">
-        <p14:creationId xmlns="" xmlns:p14="http://schemas.microsoft.com/office/powerpoint/2010/main" val="3043069130"/>
-      </p:ext>
-    </p:extLst>
-  </p:cSld>
-  <p:clrMapOvr>
-    <a:masterClrMapping/>
-  </p:clrMapOvr>
-</p:sld>
-</file>
-
-<file path=ppt/slides/slide13.xml><?xml version="1.0" encoding="utf-8"?>
-<p:sld xmlns:a="http://schemas.openxmlformats.org/drawingml/2006/main" xmlns:r="http://schemas.openxmlformats.org/officeDocument/2006/relationships" xmlns:p="http://schemas.openxmlformats.org/presentationml/2006/main">
-  <p:cSld>
-    <p:spTree>
-      <p:nvGrpSpPr>
-        <p:cNvPr id="1" name=""/>
-        <p:cNvGrpSpPr/>
-        <p:nvPr/>
-      </p:nvGrpSpPr>
-      <p:grpSpPr>
-        <a:xfrm>
-          <a:off x="0" y="0"/>
-          <a:ext cx="0" cy="0"/>
-          <a:chOff x="0" y="0"/>
-          <a:chExt cx="0" cy="0"/>
-        </a:xfrm>
-      </p:grpSpPr>
-      <p:sp>
-        <p:nvSpPr>
-          <p:cNvPr id="2" name="Title 1"/>
-          <p:cNvSpPr>
-            <a:spLocks noGrp="1"/>
-          </p:cNvSpPr>
-          <p:nvPr>
-            <p:ph type="title"/>
-          </p:nvPr>
-        </p:nvSpPr>
-        <p:spPr/>
-        <p:txBody>
-          <a:bodyPr/>
-          <a:lstStyle/>
-          <a:p>
-            <a:r>
-              <a:rPr lang="en-US" b="1" dirty="0" smtClean="0">
-                <a:solidFill>
-                  <a:schemeClr val="bg1"/>
-                </a:solidFill>
-              </a:rPr>
-              <a:t>Power Converter</a:t>
-            </a:r>
-            <a:endParaRPr lang="en-US" b="1" dirty="0">
-              <a:solidFill>
-                <a:schemeClr val="bg1"/>
-              </a:solidFill>
-            </a:endParaRPr>
-          </a:p>
-        </p:txBody>
-      </p:sp>
-      <p:sp>
-        <p:nvSpPr>
-          <p:cNvPr id="3" name="Content Placeholder 2"/>
-          <p:cNvSpPr>
-            <a:spLocks noGrp="1"/>
-          </p:cNvSpPr>
-          <p:nvPr>
-            <p:ph idx="1"/>
-          </p:nvPr>
-        </p:nvSpPr>
-        <p:spPr/>
-        <p:txBody>
-          <a:bodyPr>
-            <a:normAutofit/>
-          </a:bodyPr>
-          <a:lstStyle/>
-          <a:p>
-            <a:r>
-              <a:rPr lang="en-NZ" dirty="0" smtClean="0">
-                <a:solidFill>
-                  <a:schemeClr val="bg1"/>
-                </a:solidFill>
-              </a:rPr>
-              <a:t>Power </a:t>
-            </a:r>
-            <a:r>
-              <a:rPr lang="en-NZ" dirty="0">
-                <a:solidFill>
-                  <a:schemeClr val="bg1"/>
-                </a:solidFill>
-              </a:rPr>
-              <a:t>converter must convert from 4.7V, 5.4A AC to 5V, 2A DC</a:t>
-            </a:r>
-          </a:p>
-          <a:p>
-            <a:endParaRPr lang="en-NZ" dirty="0">
-              <a:solidFill>
-                <a:schemeClr val="bg1"/>
-              </a:solidFill>
-            </a:endParaRPr>
-          </a:p>
-          <a:p>
-            <a:endParaRPr lang="en-NZ" dirty="0" smtClean="0">
-              <a:solidFill>
-                <a:schemeClr val="bg1"/>
-              </a:solidFill>
-            </a:endParaRPr>
-          </a:p>
-          <a:p>
-            <a:endParaRPr lang="en-US" dirty="0" smtClean="0">
-              <a:solidFill>
-                <a:schemeClr val="bg1"/>
-              </a:solidFill>
-            </a:endParaRPr>
-          </a:p>
-          <a:p>
-            <a:endParaRPr lang="en-US" dirty="0">
-              <a:solidFill>
-                <a:schemeClr val="bg1"/>
-              </a:solidFill>
-            </a:endParaRPr>
-          </a:p>
-        </p:txBody>
-      </p:sp>
-      <p:graphicFrame>
-        <p:nvGraphicFramePr>
-          <p:cNvPr id="5" name="Object 4"/>
-          <p:cNvGraphicFramePr>
-            <a:graphicFrameLocks noChangeAspect="1"/>
-          </p:cNvGraphicFramePr>
-          <p:nvPr>
-            <p:extLst>
-              <p:ext uri="{D42A27DB-BD31-4B8C-83A1-F6EECF244321}">
-                <p14:modId xmlns="" xmlns:p14="http://schemas.microsoft.com/office/powerpoint/2010/main" val="2578155627"/>
-              </p:ext>
-            </p:extLst>
-          </p:nvPr>
-        </p:nvGraphicFramePr>
-        <p:xfrm>
-          <a:off x="755576" y="2852936"/>
-          <a:ext cx="7644849" cy="1080120"/>
-        </p:xfrm>
-        <a:graphic>
-          <a:graphicData uri="http://schemas.openxmlformats.org/presentationml/2006/ole">
-            <p:oleObj spid="_x0000_s4100" name="Visio" r:id="rId4" imgW="6066728" imgH="858215" progId="">
-              <p:embed/>
-            </p:oleObj>
-          </a:graphicData>
-        </a:graphic>
-      </p:graphicFrame>
-    </p:spTree>
-    <p:extLst>
-      <p:ext uri="{BB962C8B-B14F-4D97-AF65-F5344CB8AC3E}">
-        <p14:creationId xmlns="" xmlns:p14="http://schemas.microsoft.com/office/powerpoint/2010/main" val="3672211818"/>
-      </p:ext>
-    </p:extLst>
-  </p:cSld>
-  <p:clrMapOvr>
-    <a:masterClrMapping/>
-  </p:clrMapOvr>
-</p:sld>
-</file>
-
-<file path=ppt/slides/slide14.xml><?xml version="1.0" encoding="utf-8"?>
-<p:sld xmlns:a="http://schemas.openxmlformats.org/drawingml/2006/main" xmlns:r="http://schemas.openxmlformats.org/officeDocument/2006/relationships" xmlns:p="http://schemas.openxmlformats.org/presentationml/2006/main">
-  <p:cSld>
-    <p:spTree>
-      <p:nvGrpSpPr>
-        <p:cNvPr id="1" name=""/>
-        <p:cNvGrpSpPr/>
-        <p:nvPr/>
-      </p:nvGrpSpPr>
-      <p:grpSpPr>
-        <a:xfrm>
-          <a:off x="0" y="0"/>
-          <a:ext cx="0" cy="0"/>
-          <a:chOff x="0" y="0"/>
-          <a:chExt cx="0" cy="0"/>
-        </a:xfrm>
-      </p:grpSpPr>
-      <p:sp>
-        <p:nvSpPr>
-          <p:cNvPr id="2" name="Title 1"/>
-          <p:cNvSpPr>
-            <a:spLocks noGrp="1"/>
-          </p:cNvSpPr>
-          <p:nvPr>
-            <p:ph type="title"/>
-          </p:nvPr>
-        </p:nvSpPr>
-        <p:spPr/>
-        <p:txBody>
-          <a:bodyPr/>
-          <a:lstStyle/>
-          <a:p>
-            <a:r>
-              <a:rPr lang="en-NZ" b="1" dirty="0" smtClean="0">
-                <a:solidFill>
-                  <a:schemeClr val="bg1"/>
-                </a:solidFill>
-              </a:rPr>
-              <a:t>Design Concept</a:t>
-            </a:r>
-            <a:endParaRPr lang="en-NZ" b="1" dirty="0">
-              <a:solidFill>
-                <a:schemeClr val="bg1"/>
-              </a:solidFill>
-            </a:endParaRPr>
-          </a:p>
-        </p:txBody>
-      </p:sp>
-      <p:pic>
-        <p:nvPicPr>
-          <p:cNvPr id="4" name="Content Placeholder 3"/>
-          <p:cNvPicPr>
-            <a:picLocks noGrp="1"/>
-          </p:cNvPicPr>
-          <p:nvPr>
-            <p:ph idx="1"/>
-          </p:nvPr>
-        </p:nvPicPr>
-        <p:blipFill rotWithShape="1">
-          <a:blip r:embed="rId3" cstate="print"/>
-          <a:srcRect l="40935" t="25239" r="21126" b="20767"/>
-          <a:stretch/>
-        </p:blipFill>
-        <p:spPr bwMode="auto">
-          <a:xfrm>
-            <a:off x="2027858" y="1600200"/>
-            <a:ext cx="5088284" cy="4525963"/>
-          </a:xfrm>
-          <a:prstGeom prst="rect">
-            <a:avLst/>
-          </a:prstGeom>
-          <a:ln>
-            <a:noFill/>
-          </a:ln>
-          <a:extLst>
-            <a:ext uri="{53640926-AAD7-44D8-BBD7-CCE9431645EC}">
-              <a14:shadowObscured xmlns="" xmlns:a14="http://schemas.microsoft.com/office/drawing/2010/main"/>
-            </a:ext>
-          </a:extLst>
-        </p:spPr>
-      </p:pic>
-    </p:spTree>
-    <p:extLst>
-      <p:ext uri="{BB962C8B-B14F-4D97-AF65-F5344CB8AC3E}">
-        <p14:creationId xmlns="" xmlns:p14="http://schemas.microsoft.com/office/powerpoint/2010/main" val="7013402"/>
-      </p:ext>
-    </p:extLst>
-  </p:cSld>
-  <p:clrMapOvr>
-    <a:masterClrMapping/>
-  </p:clrMapOvr>
-</p:sld>
-</file>
-
-<file path=ppt/slides/slide15.xml><?xml version="1.0" encoding="utf-8"?>
-<p:sld xmlns:a="http://schemas.openxmlformats.org/drawingml/2006/main" xmlns:r="http://schemas.openxmlformats.org/officeDocument/2006/relationships" xmlns:p="http://schemas.openxmlformats.org/presentationml/2006/main">
-  <p:cSld>
-    <p:spTree>
-      <p:nvGrpSpPr>
-        <p:cNvPr id="1" name=""/>
-        <p:cNvGrpSpPr/>
-        <p:nvPr/>
-      </p:nvGrpSpPr>
-      <p:grpSpPr>
-        <a:xfrm>
-          <a:off x="0" y="0"/>
-          <a:ext cx="0" cy="0"/>
-          <a:chOff x="0" y="0"/>
-          <a:chExt cx="0" cy="0"/>
-        </a:xfrm>
-      </p:grpSpPr>
-      <p:sp>
-        <p:nvSpPr>
-          <p:cNvPr id="2" name="Title 1"/>
-          <p:cNvSpPr>
-            <a:spLocks noGrp="1"/>
-          </p:cNvSpPr>
-          <p:nvPr>
-            <p:ph type="title"/>
-          </p:nvPr>
-        </p:nvSpPr>
-        <p:spPr/>
-        <p:txBody>
-          <a:bodyPr/>
-          <a:lstStyle/>
-          <a:p>
-            <a:r>
-              <a:rPr lang="en-US" b="1" dirty="0" smtClean="0">
-                <a:solidFill>
-                  <a:schemeClr val="bg1"/>
-                </a:solidFill>
-              </a:rPr>
-              <a:t>Cost</a:t>
-            </a:r>
-            <a:endParaRPr lang="en-US" b="1" dirty="0">
-              <a:solidFill>
-                <a:schemeClr val="bg1"/>
-              </a:solidFill>
-            </a:endParaRPr>
-          </a:p>
-        </p:txBody>
-      </p:sp>
-      <p:graphicFrame>
-        <p:nvGraphicFramePr>
-          <p:cNvPr id="5" name="Table 4"/>
-          <p:cNvGraphicFramePr>
-            <a:graphicFrameLocks noGrp="1"/>
-          </p:cNvGraphicFramePr>
-          <p:nvPr/>
-        </p:nvGraphicFramePr>
-        <p:xfrm>
-          <a:off x="914400" y="1504408"/>
-          <a:ext cx="7391400" cy="4699000"/>
-        </p:xfrm>
-        <a:graphic>
-          <a:graphicData uri="http://schemas.openxmlformats.org/drawingml/2006/table">
-            <a:tbl>
-              <a:tblPr firstRow="1" lastRow="1" bandRow="1">
-                <a:tableStyleId>{5C22544A-7EE6-4342-B048-85BDC9FD1C3A}</a:tableStyleId>
-              </a:tblPr>
-              <a:tblGrid>
-                <a:gridCol w="3695700"/>
-                <a:gridCol w="3695700"/>
-              </a:tblGrid>
-              <a:tr h="587375">
-                <a:tc>
-                  <a:txBody>
-                    <a:bodyPr/>
-                    <a:lstStyle/>
-                    <a:p>
-                      <a:pPr marL="0" marR="0" algn="just">
-                        <a:spcBef>
-                          <a:spcPts val="0"/>
-                        </a:spcBef>
-                        <a:spcAft>
-                          <a:spcPts val="0"/>
-                        </a:spcAft>
-                      </a:pPr>
-                      <a:r>
-                        <a:rPr lang="en-US" sz="2400" b="1" dirty="0">
-                          <a:solidFill>
-                            <a:srgbClr val="000000"/>
-                          </a:solidFill>
-                          <a:latin typeface="Times New Roman"/>
-                          <a:ea typeface="Times New Roman"/>
-                        </a:rPr>
-                        <a:t>Item</a:t>
-                      </a:r>
-                      <a:endParaRPr lang="en-US" sz="2400" dirty="0">
-                        <a:solidFill>
-                          <a:srgbClr val="000000"/>
-                        </a:solidFill>
-                        <a:latin typeface="Times New Roman"/>
-                        <a:ea typeface="Times New Roman"/>
-                      </a:endParaRPr>
-                    </a:p>
-                  </a:txBody>
-                  <a:tcPr marL="68580" marR="68580" marT="0" marB="0" anchor="ctr"/>
-                </a:tc>
-                <a:tc>
-                  <a:txBody>
-                    <a:bodyPr/>
-                    <a:lstStyle/>
-                    <a:p>
-                      <a:pPr marL="0" marR="0" algn="just">
-                        <a:spcBef>
-                          <a:spcPts val="0"/>
-                        </a:spcBef>
-                        <a:spcAft>
-                          <a:spcPts val="0"/>
-                        </a:spcAft>
-                      </a:pPr>
-                      <a:r>
-                        <a:rPr lang="en-US" sz="2400" b="1">
-                          <a:solidFill>
-                            <a:srgbClr val="000000"/>
-                          </a:solidFill>
-                          <a:latin typeface="Times New Roman"/>
-                          <a:ea typeface="Times New Roman"/>
-                        </a:rPr>
-                        <a:t>Cost</a:t>
-                      </a:r>
-                      <a:endParaRPr lang="en-US" sz="2400">
-                        <a:solidFill>
-                          <a:srgbClr val="000000"/>
-                        </a:solidFill>
-                        <a:latin typeface="Times New Roman"/>
-                        <a:ea typeface="Times New Roman"/>
-                      </a:endParaRPr>
-                    </a:p>
-                  </a:txBody>
-                  <a:tcPr marL="68580" marR="68580" marT="0" marB="0" anchor="ctr"/>
-                </a:tc>
-              </a:tr>
-              <a:tr h="587375">
-                <a:tc>
-                  <a:txBody>
-                    <a:bodyPr/>
-                    <a:lstStyle/>
-                    <a:p>
-                      <a:pPr marL="0" marR="0" algn="just">
-                        <a:spcBef>
-                          <a:spcPts val="0"/>
-                        </a:spcBef>
-                        <a:spcAft>
-                          <a:spcPts val="0"/>
-                        </a:spcAft>
-                      </a:pPr>
-                      <a:r>
-                        <a:rPr lang="en-US" sz="2400" b="1">
-                          <a:solidFill>
-                            <a:srgbClr val="000000"/>
-                          </a:solidFill>
-                          <a:latin typeface="Times New Roman"/>
-                          <a:ea typeface="Times New Roman"/>
-                        </a:rPr>
-                        <a:t>Generator</a:t>
-                      </a:r>
-                      <a:endParaRPr lang="en-US" sz="2400">
-                        <a:solidFill>
-                          <a:srgbClr val="000000"/>
-                        </a:solidFill>
-                        <a:latin typeface="Times New Roman"/>
-                        <a:ea typeface="Times New Roman"/>
-                      </a:endParaRPr>
-                    </a:p>
-                  </a:txBody>
-                  <a:tcPr marL="68580" marR="68580" marT="0" marB="0" anchor="ctr"/>
-                </a:tc>
-                <a:tc>
-                  <a:txBody>
-                    <a:bodyPr/>
-                    <a:lstStyle/>
-                    <a:p>
-                      <a:pPr marL="0" marR="0" algn="just">
-                        <a:spcBef>
-                          <a:spcPts val="0"/>
-                        </a:spcBef>
-                        <a:spcAft>
-                          <a:spcPts val="0"/>
-                        </a:spcAft>
-                      </a:pPr>
-                      <a:r>
-                        <a:rPr lang="en-US" sz="2400" dirty="0" smtClean="0">
-                          <a:solidFill>
-                            <a:srgbClr val="000000"/>
-                          </a:solidFill>
-                          <a:latin typeface="Times New Roman"/>
-                          <a:ea typeface="Times New Roman"/>
-                        </a:rPr>
-                        <a:t>$180</a:t>
-                      </a:r>
-                      <a:endParaRPr lang="en-US" sz="2400" dirty="0">
-                        <a:solidFill>
-                          <a:srgbClr val="000000"/>
-                        </a:solidFill>
-                        <a:latin typeface="Times New Roman"/>
-                        <a:ea typeface="Times New Roman"/>
-                      </a:endParaRPr>
-                    </a:p>
-                  </a:txBody>
-                  <a:tcPr marL="68580" marR="68580" marT="0" marB="0" anchor="ctr"/>
-                </a:tc>
-              </a:tr>
-              <a:tr h="587375">
-                <a:tc>
-                  <a:txBody>
-                    <a:bodyPr/>
-                    <a:lstStyle/>
-                    <a:p>
-                      <a:pPr marL="0" marR="0" algn="just">
-                        <a:spcBef>
-                          <a:spcPts val="0"/>
-                        </a:spcBef>
-                        <a:spcAft>
-                          <a:spcPts val="0"/>
-                        </a:spcAft>
-                      </a:pPr>
-                      <a:r>
-                        <a:rPr lang="en-US" sz="2400" b="1">
-                          <a:solidFill>
-                            <a:srgbClr val="000000"/>
-                          </a:solidFill>
-                          <a:latin typeface="Times New Roman"/>
-                          <a:ea typeface="Times New Roman"/>
-                        </a:rPr>
-                        <a:t>Motor (x2)</a:t>
-                      </a:r>
-                      <a:endParaRPr lang="en-US" sz="2400">
-                        <a:solidFill>
-                          <a:srgbClr val="000000"/>
-                        </a:solidFill>
-                        <a:latin typeface="Times New Roman"/>
-                        <a:ea typeface="Times New Roman"/>
-                      </a:endParaRPr>
-                    </a:p>
-                  </a:txBody>
-                  <a:tcPr marL="68580" marR="68580" marT="0" marB="0" anchor="ctr"/>
-                </a:tc>
-                <a:tc>
-                  <a:txBody>
-                    <a:bodyPr/>
-                    <a:lstStyle/>
-                    <a:p>
-                      <a:pPr marL="0" marR="0" algn="just">
-                        <a:spcBef>
-                          <a:spcPts val="0"/>
-                        </a:spcBef>
-                        <a:spcAft>
-                          <a:spcPts val="0"/>
-                        </a:spcAft>
-                      </a:pPr>
-                      <a:r>
-                        <a:rPr lang="en-US" sz="2400" dirty="0">
-                          <a:solidFill>
-                            <a:srgbClr val="000000"/>
-                          </a:solidFill>
-                          <a:latin typeface="Times New Roman"/>
-                          <a:ea typeface="Times New Roman"/>
-                        </a:rPr>
-                        <a:t>$51</a:t>
-                      </a:r>
-                    </a:p>
-                  </a:txBody>
-                  <a:tcPr marL="68580" marR="68580" marT="0" marB="0" anchor="ctr"/>
-                </a:tc>
-              </a:tr>
-              <a:tr h="587375">
-                <a:tc>
-                  <a:txBody>
-                    <a:bodyPr/>
-                    <a:lstStyle/>
-                    <a:p>
-                      <a:pPr marL="0" marR="0" algn="just">
-                        <a:spcBef>
-                          <a:spcPts val="0"/>
-                        </a:spcBef>
-                        <a:spcAft>
-                          <a:spcPts val="0"/>
-                        </a:spcAft>
-                      </a:pPr>
-                      <a:r>
-                        <a:rPr lang="en-US" sz="2400" b="1">
-                          <a:solidFill>
-                            <a:srgbClr val="000000"/>
-                          </a:solidFill>
-                          <a:latin typeface="Times New Roman"/>
-                          <a:ea typeface="Times New Roman"/>
-                        </a:rPr>
-                        <a:t>Turbine</a:t>
-                      </a:r>
-                      <a:endParaRPr lang="en-US" sz="2400">
-                        <a:solidFill>
-                          <a:srgbClr val="000000"/>
-                        </a:solidFill>
-                        <a:latin typeface="Times New Roman"/>
-                        <a:ea typeface="Times New Roman"/>
-                      </a:endParaRPr>
-                    </a:p>
-                  </a:txBody>
-                  <a:tcPr marL="68580" marR="68580" marT="0" marB="0" anchor="ctr"/>
-                </a:tc>
-                <a:tc>
-                  <a:txBody>
-                    <a:bodyPr/>
-                    <a:lstStyle/>
-                    <a:p>
-                      <a:pPr marL="0" marR="0" algn="just">
-                        <a:spcBef>
-                          <a:spcPts val="0"/>
-                        </a:spcBef>
-                        <a:spcAft>
-                          <a:spcPts val="0"/>
-                        </a:spcAft>
-                      </a:pPr>
-                      <a:r>
-                        <a:rPr lang="en-US" sz="2400">
-                          <a:solidFill>
-                            <a:srgbClr val="000000"/>
-                          </a:solidFill>
-                          <a:latin typeface="Times New Roman"/>
-                          <a:ea typeface="Times New Roman"/>
-                        </a:rPr>
-                        <a:t>$25</a:t>
-                      </a:r>
-                    </a:p>
-                  </a:txBody>
-                  <a:tcPr marL="68580" marR="68580" marT="0" marB="0" anchor="ctr"/>
-                </a:tc>
-              </a:tr>
-              <a:tr h="587375">
-                <a:tc>
-                  <a:txBody>
-                    <a:bodyPr/>
-                    <a:lstStyle/>
-                    <a:p>
-                      <a:pPr marL="0" marR="0" algn="just">
-                        <a:spcBef>
-                          <a:spcPts val="0"/>
-                        </a:spcBef>
-                        <a:spcAft>
-                          <a:spcPts val="0"/>
-                        </a:spcAft>
-                      </a:pPr>
-                      <a:r>
-                        <a:rPr lang="en-US" sz="2400" b="1">
-                          <a:solidFill>
-                            <a:srgbClr val="000000"/>
-                          </a:solidFill>
-                          <a:latin typeface="Times New Roman"/>
-                          <a:ea typeface="Times New Roman"/>
-                        </a:rPr>
-                        <a:t>Tank tracks and wheels</a:t>
-                      </a:r>
-                      <a:endParaRPr lang="en-US" sz="2400">
-                        <a:solidFill>
-                          <a:srgbClr val="000000"/>
-                        </a:solidFill>
-                        <a:latin typeface="Times New Roman"/>
-                        <a:ea typeface="Times New Roman"/>
-                      </a:endParaRPr>
-                    </a:p>
-                  </a:txBody>
-                  <a:tcPr marL="68580" marR="68580" marT="0" marB="0" anchor="ctr"/>
-                </a:tc>
-                <a:tc>
-                  <a:txBody>
-                    <a:bodyPr/>
-                    <a:lstStyle/>
-                    <a:p>
-                      <a:pPr marL="0" marR="0" algn="just">
-                        <a:spcBef>
-                          <a:spcPts val="0"/>
-                        </a:spcBef>
-                        <a:spcAft>
-                          <a:spcPts val="0"/>
-                        </a:spcAft>
-                      </a:pPr>
-                      <a:r>
-                        <a:rPr lang="en-US" sz="2400" dirty="0">
-                          <a:solidFill>
-                            <a:srgbClr val="000000"/>
-                          </a:solidFill>
-                          <a:latin typeface="Times New Roman"/>
-                          <a:ea typeface="Times New Roman"/>
-                        </a:rPr>
-                        <a:t>$50</a:t>
-                      </a:r>
-                    </a:p>
-                  </a:txBody>
-                  <a:tcPr marL="68580" marR="68580" marT="0" marB="0" anchor="ctr"/>
-                </a:tc>
-              </a:tr>
-              <a:tr h="587375">
-                <a:tc>
-                  <a:txBody>
-                    <a:bodyPr/>
-                    <a:lstStyle/>
-                    <a:p>
-                      <a:pPr marL="0" marR="0" algn="just">
-                        <a:spcBef>
-                          <a:spcPts val="0"/>
-                        </a:spcBef>
-                        <a:spcAft>
-                          <a:spcPts val="0"/>
-                        </a:spcAft>
-                      </a:pPr>
-                      <a:r>
-                        <a:rPr lang="en-US" sz="2400" b="1">
-                          <a:solidFill>
-                            <a:srgbClr val="000000"/>
-                          </a:solidFill>
-                          <a:latin typeface="Times New Roman"/>
-                          <a:ea typeface="Times New Roman"/>
-                        </a:rPr>
-                        <a:t>Enclosure</a:t>
-                      </a:r>
-                      <a:endParaRPr lang="en-US" sz="2400">
-                        <a:solidFill>
-                          <a:srgbClr val="000000"/>
-                        </a:solidFill>
-                        <a:latin typeface="Times New Roman"/>
-                        <a:ea typeface="Times New Roman"/>
-                      </a:endParaRPr>
-                    </a:p>
-                  </a:txBody>
-                  <a:tcPr marL="68580" marR="68580" marT="0" marB="0" anchor="ctr"/>
-                </a:tc>
-                <a:tc>
-                  <a:txBody>
-                    <a:bodyPr/>
-                    <a:lstStyle/>
-                    <a:p>
-                      <a:pPr marL="0" marR="0" algn="just">
-                        <a:spcBef>
-                          <a:spcPts val="0"/>
-                        </a:spcBef>
-                        <a:spcAft>
-                          <a:spcPts val="0"/>
-                        </a:spcAft>
-                      </a:pPr>
-                      <a:r>
-                        <a:rPr lang="en-US" sz="2400">
-                          <a:solidFill>
-                            <a:srgbClr val="000000"/>
-                          </a:solidFill>
-                          <a:latin typeface="Times New Roman"/>
-                          <a:ea typeface="Times New Roman"/>
-                        </a:rPr>
-                        <a:t>$50</a:t>
-                      </a:r>
-                    </a:p>
-                  </a:txBody>
-                  <a:tcPr marL="68580" marR="68580" marT="0" marB="0" anchor="ctr"/>
-                </a:tc>
-              </a:tr>
-              <a:tr h="587375">
-                <a:tc>
-                  <a:txBody>
-                    <a:bodyPr/>
-                    <a:lstStyle/>
-                    <a:p>
-                      <a:pPr marL="0" marR="0" algn="just">
-                        <a:spcBef>
-                          <a:spcPts val="0"/>
-                        </a:spcBef>
-                        <a:spcAft>
-                          <a:spcPts val="0"/>
-                        </a:spcAft>
-                      </a:pPr>
-                      <a:r>
-                        <a:rPr lang="en-US" sz="2400" b="1">
-                          <a:solidFill>
-                            <a:srgbClr val="000000"/>
-                          </a:solidFill>
-                          <a:latin typeface="Times New Roman"/>
-                          <a:ea typeface="Times New Roman"/>
-                        </a:rPr>
-                        <a:t>Oil</a:t>
-                      </a:r>
-                      <a:endParaRPr lang="en-US" sz="2400">
-                        <a:solidFill>
-                          <a:srgbClr val="000000"/>
-                        </a:solidFill>
-                        <a:latin typeface="Times New Roman"/>
-                        <a:ea typeface="Times New Roman"/>
-                      </a:endParaRPr>
-                    </a:p>
-                  </a:txBody>
-                  <a:tcPr marL="68580" marR="68580" marT="0" marB="0" anchor="ctr"/>
-                </a:tc>
-                <a:tc>
-                  <a:txBody>
-                    <a:bodyPr/>
-                    <a:lstStyle/>
-                    <a:p>
-                      <a:pPr marL="0" marR="0" algn="just">
-                        <a:spcBef>
-                          <a:spcPts val="0"/>
-                        </a:spcBef>
-                        <a:spcAft>
-                          <a:spcPts val="0"/>
-                        </a:spcAft>
-                      </a:pPr>
-                      <a:r>
-                        <a:rPr lang="en-US" sz="2400">
-                          <a:solidFill>
-                            <a:srgbClr val="000000"/>
-                          </a:solidFill>
-                          <a:latin typeface="Times New Roman"/>
-                          <a:ea typeface="Times New Roman"/>
-                        </a:rPr>
-                        <a:t>$10</a:t>
-                      </a:r>
-                    </a:p>
-                  </a:txBody>
-                  <a:tcPr marL="68580" marR="68580" marT="0" marB="0" anchor="ctr"/>
-                </a:tc>
-              </a:tr>
-              <a:tr h="587375">
-                <a:tc>
-                  <a:txBody>
-                    <a:bodyPr/>
-                    <a:lstStyle/>
-                    <a:p>
-                      <a:pPr marL="0" marR="0" algn="just">
-                        <a:spcBef>
-                          <a:spcPts val="0"/>
-                        </a:spcBef>
-                        <a:spcAft>
-                          <a:spcPts val="0"/>
-                        </a:spcAft>
-                      </a:pPr>
-                      <a:r>
-                        <a:rPr lang="en-US" sz="2400" b="1">
-                          <a:solidFill>
-                            <a:srgbClr val="000000"/>
-                          </a:solidFill>
-                          <a:latin typeface="Times New Roman"/>
-                          <a:ea typeface="Times New Roman"/>
-                        </a:rPr>
-                        <a:t>Total</a:t>
-                      </a:r>
-                      <a:endParaRPr lang="en-US" sz="2400">
-                        <a:solidFill>
-                          <a:srgbClr val="000000"/>
-                        </a:solidFill>
-                        <a:latin typeface="Times New Roman"/>
-                        <a:ea typeface="Times New Roman"/>
-                      </a:endParaRPr>
-                    </a:p>
-                  </a:txBody>
-                  <a:tcPr marL="68580" marR="68580" marT="0" marB="0" anchor="ctr"/>
-                </a:tc>
-                <a:tc>
-                  <a:txBody>
-                    <a:bodyPr/>
-                    <a:lstStyle/>
-                    <a:p>
-                      <a:pPr marL="0" marR="0" algn="just">
-                        <a:spcBef>
-                          <a:spcPts val="0"/>
-                        </a:spcBef>
-                        <a:spcAft>
-                          <a:spcPts val="0"/>
-                        </a:spcAft>
-                      </a:pPr>
-                      <a:r>
-                        <a:rPr lang="en-US" sz="2400" dirty="0" smtClean="0">
-                          <a:solidFill>
-                            <a:srgbClr val="000000"/>
-                          </a:solidFill>
-                          <a:latin typeface="Times New Roman"/>
-                          <a:ea typeface="Times New Roman"/>
-                        </a:rPr>
-                        <a:t>$366</a:t>
-                      </a:r>
-                      <a:endParaRPr lang="en-US" sz="2400" dirty="0">
-                        <a:solidFill>
-                          <a:srgbClr val="000000"/>
-                        </a:solidFill>
-                        <a:latin typeface="Times New Roman"/>
-                        <a:ea typeface="Times New Roman"/>
-                      </a:endParaRPr>
-                    </a:p>
-                  </a:txBody>
-                  <a:tcPr marL="68580" marR="68580" marT="0" marB="0" anchor="ctr"/>
-                </a:tc>
-              </a:tr>
-            </a:tbl>
-          </a:graphicData>
-        </a:graphic>
-      </p:graphicFrame>
-    </p:spTree>
-    <p:extLst>
-      <p:ext uri="{BB962C8B-B14F-4D97-AF65-F5344CB8AC3E}">
-        <p14:creationId xmlns="" xmlns:p14="http://schemas.microsoft.com/office/powerpoint/2010/main" val="992785411"/>
-      </p:ext>
-    </p:extLst>
-  </p:cSld>
-  <p:clrMapOvr>
-    <a:masterClrMapping/>
-  </p:clrMapOvr>
-</p:sld>
-</file>
-
-<file path=ppt/slides/slide16.xml><?xml version="1.0" encoding="utf-8"?>
-<p:sld xmlns:a="http://schemas.openxmlformats.org/drawingml/2006/main" xmlns:r="http://schemas.openxmlformats.org/officeDocument/2006/relationships" xmlns:p="http://schemas.openxmlformats.org/presentationml/2006/main">
-  <p:cSld>
-    <p:spTree>
-      <p:nvGrpSpPr>
-        <p:cNvPr id="1" name=""/>
-        <p:cNvGrpSpPr/>
-        <p:nvPr/>
-      </p:nvGrpSpPr>
-      <p:grpSpPr>
-        <a:xfrm>
-          <a:off x="0" y="0"/>
-          <a:ext cx="0" cy="0"/>
-          <a:chOff x="0" y="0"/>
-          <a:chExt cx="0" cy="0"/>
-        </a:xfrm>
-      </p:grpSpPr>
-      <p:sp>
-        <p:nvSpPr>
-          <p:cNvPr id="2" name="Title 1"/>
-          <p:cNvSpPr>
-            <a:spLocks noGrp="1"/>
-          </p:cNvSpPr>
-          <p:nvPr>
-            <p:ph type="title"/>
-          </p:nvPr>
-        </p:nvSpPr>
-        <p:spPr/>
-        <p:txBody>
-          <a:bodyPr/>
-          <a:lstStyle/>
-          <a:p>
-            <a:r>
-              <a:rPr lang="en-US" b="1" dirty="0" smtClean="0">
-                <a:solidFill>
-                  <a:schemeClr val="bg1"/>
-                </a:solidFill>
-              </a:rPr>
-              <a:t>Future Steps</a:t>
-            </a:r>
-            <a:endParaRPr lang="en-US" b="1" dirty="0">
-              <a:solidFill>
-                <a:schemeClr val="bg1"/>
-              </a:solidFill>
-            </a:endParaRPr>
-          </a:p>
-        </p:txBody>
-      </p:sp>
-      <p:sp>
-        <p:nvSpPr>
-          <p:cNvPr id="3" name="Content Placeholder 2"/>
-          <p:cNvSpPr>
-            <a:spLocks noGrp="1"/>
-          </p:cNvSpPr>
-          <p:nvPr>
-            <p:ph idx="1"/>
-          </p:nvPr>
-        </p:nvSpPr>
-        <p:spPr/>
-        <p:txBody>
-          <a:bodyPr/>
-          <a:lstStyle/>
-          <a:p>
-            <a:r>
-              <a:rPr lang="en-US" dirty="0" smtClean="0">
-                <a:solidFill>
-                  <a:schemeClr val="bg1"/>
-                </a:solidFill>
-              </a:rPr>
-              <a:t>Build tank tracks and use with motors to find exact characteristics</a:t>
-            </a:r>
-          </a:p>
-          <a:p>
-            <a:r>
-              <a:rPr lang="en-US" dirty="0" smtClean="0">
-                <a:solidFill>
-                  <a:schemeClr val="bg1"/>
-                </a:solidFill>
-              </a:rPr>
-              <a:t>Choose and purchase power converter</a:t>
-            </a:r>
-          </a:p>
-          <a:p>
-            <a:r>
-              <a:rPr lang="en-US" dirty="0" smtClean="0">
-                <a:solidFill>
-                  <a:schemeClr val="bg1"/>
-                </a:solidFill>
-              </a:rPr>
-              <a:t>Slowly build and test </a:t>
-            </a:r>
-          </a:p>
-          <a:p>
-            <a:r>
-              <a:rPr lang="en-US" dirty="0" smtClean="0">
-                <a:solidFill>
-                  <a:schemeClr val="bg1"/>
-                </a:solidFill>
-              </a:rPr>
-              <a:t>Final test in water tunnel with current coming through</a:t>
-            </a:r>
-            <a:endParaRPr lang="en-US" dirty="0">
-              <a:solidFill>
-                <a:schemeClr val="bg1"/>
-              </a:solidFill>
-            </a:endParaRPr>
-          </a:p>
-        </p:txBody>
-      </p:sp>
-    </p:spTree>
-    <p:extLst>
-      <p:ext uri="{BB962C8B-B14F-4D97-AF65-F5344CB8AC3E}">
-        <p14:creationId xmlns="" xmlns:p14="http://schemas.microsoft.com/office/powerpoint/2010/main" val="1500320497"/>
-      </p:ext>
-    </p:extLst>
-  </p:cSld>
-  <p:clrMapOvr>
-    <a:masterClrMapping/>
-  </p:clrMapOvr>
-</p:sld>
-</file>
-
-<file path=ppt/slides/slide17.xml><?xml version="1.0" encoding="utf-8"?>
-<p:sld xmlns:a="http://schemas.openxmlformats.org/drawingml/2006/main" xmlns:r="http://schemas.openxmlformats.org/officeDocument/2006/relationships" xmlns:p="http://schemas.openxmlformats.org/presentationml/2006/main">
-  <p:cSld>
-    <p:spTree>
-      <p:nvGrpSpPr>
-        <p:cNvPr id="1" name=""/>
-        <p:cNvGrpSpPr/>
-        <p:nvPr/>
-      </p:nvGrpSpPr>
-      <p:grpSpPr>
-        <a:xfrm>
-          <a:off x="0" y="0"/>
-          <a:ext cx="0" cy="0"/>
-          <a:chOff x="0" y="0"/>
-          <a:chExt cx="0" cy="0"/>
-        </a:xfrm>
-      </p:grpSpPr>
-      <p:sp>
-        <p:nvSpPr>
-          <p:cNvPr id="2" name="Title 1"/>
-          <p:cNvSpPr>
-            <a:spLocks noGrp="1"/>
-          </p:cNvSpPr>
-          <p:nvPr>
-            <p:ph type="title"/>
-          </p:nvPr>
-        </p:nvSpPr>
-        <p:spPr/>
-        <p:txBody>
-          <a:bodyPr/>
-          <a:lstStyle/>
-          <a:p>
-            <a:r>
-              <a:rPr lang="en-NZ" b="1" dirty="0" smtClean="0">
-                <a:solidFill>
-                  <a:schemeClr val="bg1"/>
-                </a:solidFill>
-              </a:rPr>
-              <a:t>Conclusions</a:t>
-            </a:r>
-            <a:endParaRPr lang="en-NZ" b="1" dirty="0">
-              <a:solidFill>
-                <a:schemeClr val="bg1"/>
-              </a:solidFill>
-            </a:endParaRPr>
-          </a:p>
-        </p:txBody>
-      </p:sp>
-      <p:sp>
-        <p:nvSpPr>
-          <p:cNvPr id="3" name="Content Placeholder 2"/>
-          <p:cNvSpPr>
-            <a:spLocks noGrp="1"/>
-          </p:cNvSpPr>
-          <p:nvPr>
-            <p:ph idx="1"/>
-          </p:nvPr>
-        </p:nvSpPr>
-        <p:spPr>
-          <a:xfrm>
-            <a:off x="457200" y="1600200"/>
-            <a:ext cx="8229600" cy="4781127"/>
-          </a:xfrm>
-        </p:spPr>
-        <p:txBody>
-          <a:bodyPr>
-            <a:normAutofit/>
-          </a:bodyPr>
-          <a:lstStyle/>
-          <a:p>
-            <a:r>
-              <a:rPr lang="en-US" dirty="0" smtClean="0">
-                <a:solidFill>
-                  <a:schemeClr val="bg1"/>
-                </a:solidFill>
-              </a:rPr>
-              <a:t>Extreme Environment Investigated</a:t>
-            </a:r>
-          </a:p>
-          <a:p>
-            <a:r>
-              <a:rPr lang="en-US" dirty="0" smtClean="0">
-                <a:solidFill>
-                  <a:schemeClr val="bg1"/>
-                </a:solidFill>
-              </a:rPr>
-              <a:t>Novel method of power generation found</a:t>
-            </a:r>
-          </a:p>
-          <a:p>
-            <a:r>
-              <a:rPr lang="en-US" dirty="0" smtClean="0">
-                <a:solidFill>
-                  <a:schemeClr val="bg1"/>
-                </a:solidFill>
-              </a:rPr>
-              <a:t>A preliminary design made with future work in mind</a:t>
-            </a:r>
-          </a:p>
-          <a:p>
-            <a:r>
-              <a:rPr lang="en-US" dirty="0" smtClean="0">
-                <a:solidFill>
-                  <a:schemeClr val="bg1"/>
-                </a:solidFill>
-              </a:rPr>
-              <a:t>Different Generator may be required.</a:t>
-            </a:r>
-          </a:p>
-          <a:p>
-            <a:endParaRPr lang="en-US" dirty="0" smtClean="0">
-              <a:solidFill>
-                <a:schemeClr val="bg1"/>
-              </a:solidFill>
-            </a:endParaRPr>
-          </a:p>
-          <a:p>
-            <a:pPr marL="457200" lvl="1" indent="0">
-              <a:buNone/>
-            </a:pPr>
-            <a:endParaRPr lang="en-US" dirty="0">
-              <a:solidFill>
-                <a:schemeClr val="bg1"/>
-              </a:solidFill>
-            </a:endParaRPr>
-          </a:p>
-          <a:p>
-            <a:endParaRPr lang="en-NZ" dirty="0"/>
-          </a:p>
-        </p:txBody>
-      </p:sp>
-    </p:spTree>
-    <p:extLst>
-      <p:ext uri="{BB962C8B-B14F-4D97-AF65-F5344CB8AC3E}">
-        <p14:creationId xmlns="" xmlns:p14="http://schemas.microsoft.com/office/powerpoint/2010/main" val="1056299876"/>
-      </p:ext>
-    </p:extLst>
-  </p:cSld>
-  <p:clrMapOvr>
-    <a:masterClrMapping/>
-  </p:clrMapOvr>
+  <p:timing>
+    <p:tnLst>
+      <p:par>
+        <p:cTn id="1" dur="indefinite" restart="never" nodeType="tmRoot"/>
+      </p:par>
+    </p:tnLst>
+  </p:timing>
 </p:sld>
 </file>
 
@@ -8475,12 +8662,7 @@
             <p:ph type="title"/>
           </p:nvPr>
         </p:nvSpPr>
-        <p:spPr>
-          <a:xfrm>
-            <a:off x="457200" y="2270754"/>
-            <a:ext cx="8229600" cy="1143000"/>
-          </a:xfrm>
-        </p:spPr>
+        <p:spPr/>
         <p:txBody>
           <a:bodyPr/>
           <a:lstStyle/>
@@ -8491,7 +8673,7 @@
                   <a:schemeClr val="bg1"/>
                 </a:solidFill>
               </a:rPr>
-              <a:t>Questions?</a:t>
+              <a:t>Simplifications</a:t>
             </a:r>
             <a:endParaRPr lang="en-US" b="1" dirty="0">
               <a:solidFill>
@@ -8501,16 +8683,122 @@
           </a:p>
         </p:txBody>
       </p:sp>
+      <p:sp>
+        <p:nvSpPr>
+          <p:cNvPr id="3" name="Content Placeholder 2"/>
+          <p:cNvSpPr>
+            <a:spLocks noGrp="1"/>
+          </p:cNvSpPr>
+          <p:nvPr>
+            <p:ph idx="1"/>
+          </p:nvPr>
+        </p:nvSpPr>
+        <p:spPr/>
+        <p:txBody>
+          <a:bodyPr>
+            <a:normAutofit/>
+          </a:bodyPr>
+          <a:lstStyle/>
+          <a:p>
+            <a:pPr lvl="1">
+              <a:buFont typeface="Arial" pitchFamily="34" charset="0"/>
+              <a:buChar char="•"/>
+            </a:pPr>
+            <a:r>
+              <a:rPr lang="en-US" sz="3600" dirty="0" smtClean="0">
+                <a:solidFill>
+                  <a:schemeClr val="bg1"/>
+                </a:solidFill>
+              </a:rPr>
+              <a:t>No </a:t>
+            </a:r>
+            <a:r>
+              <a:rPr lang="en-US" sz="3600" dirty="0">
+                <a:solidFill>
+                  <a:schemeClr val="bg1"/>
+                </a:solidFill>
+              </a:rPr>
+              <a:t>turning functionality</a:t>
+            </a:r>
+          </a:p>
+          <a:p>
+            <a:pPr lvl="1">
+              <a:buFont typeface="Arial" pitchFamily="34" charset="0"/>
+              <a:buChar char="•"/>
+            </a:pPr>
+            <a:r>
+              <a:rPr lang="en-US" sz="3600" dirty="0">
+                <a:solidFill>
+                  <a:schemeClr val="bg1"/>
+                </a:solidFill>
+              </a:rPr>
+              <a:t>No control </a:t>
+            </a:r>
+            <a:r>
+              <a:rPr lang="en-US" sz="3600" dirty="0" err="1">
+                <a:solidFill>
+                  <a:schemeClr val="bg1"/>
+                </a:solidFill>
+              </a:rPr>
+              <a:t>ie</a:t>
+            </a:r>
+            <a:r>
+              <a:rPr lang="en-US" sz="3600" dirty="0">
+                <a:solidFill>
+                  <a:schemeClr val="bg1"/>
+                </a:solidFill>
+              </a:rPr>
+              <a:t>. goes forward when has power, idle otherwise</a:t>
+            </a:r>
+          </a:p>
+          <a:p>
+            <a:pPr lvl="1">
+              <a:buFont typeface="Arial" pitchFamily="34" charset="0"/>
+              <a:buChar char="•"/>
+            </a:pPr>
+            <a:r>
+              <a:rPr lang="en-US" sz="3600" dirty="0">
+                <a:solidFill>
+                  <a:schemeClr val="bg1"/>
+                </a:solidFill>
+              </a:rPr>
+              <a:t>These things to be added after initial design proven</a:t>
+            </a:r>
+          </a:p>
+          <a:p>
+            <a:pPr lvl="1"/>
+            <a:endParaRPr lang="en-US" sz="3200" dirty="0" smtClean="0">
+              <a:solidFill>
+                <a:schemeClr val="bg1"/>
+              </a:solidFill>
+            </a:endParaRPr>
+          </a:p>
+          <a:p>
+            <a:endParaRPr lang="en-US" dirty="0">
+              <a:solidFill>
+                <a:schemeClr val="bg1"/>
+              </a:solidFill>
+            </a:endParaRPr>
+          </a:p>
+        </p:txBody>
+      </p:sp>
     </p:spTree>
     <p:extLst>
       <p:ext uri="{BB962C8B-B14F-4D97-AF65-F5344CB8AC3E}">
-        <p14:creationId xmlns="" xmlns:p14="http://schemas.microsoft.com/office/powerpoint/2010/main" val="1766240157"/>
+        <p14:creationId xmlns:p14="http://schemas.microsoft.com/office/powerpoint/2010/main" xmlns="" val="3541060296"/>
       </p:ext>
     </p:extLst>
   </p:cSld>
   <p:clrMapOvr>
     <a:masterClrMapping/>
   </p:clrMapOvr>
+  <p:timing>
+    <p:tnLst>
+      <p:par>
+        <p:cTn id="1" dur="indefinite" restart="never" nodeType="tmRoot"/>
+      </p:par>
+    </p:tnLst>
+  </p:timing>
 </p:sld>
 </file>
 
@@ -8623,13 +8911,20 @@
     </p:spTree>
     <p:extLst>
       <p:ext uri="{BB962C8B-B14F-4D97-AF65-F5344CB8AC3E}">
-        <p14:creationId xmlns="" xmlns:p14="http://schemas.microsoft.com/office/powerpoint/2010/main" val="1369411006"/>
+        <p14:creationId xmlns:p14="http://schemas.microsoft.com/office/powerpoint/2010/main" xmlns="" val="1369411006"/>
       </p:ext>
     </p:extLst>
   </p:cSld>
   <p:clrMapOvr>
     <a:masterClrMapping/>
   </p:clrMapOvr>
+  <p:timing>
+    <p:tnLst>
+      <p:par>
+        <p:cTn id="1" dur="indefinite" restart="never" nodeType="tmRoot"/>
+      </p:par>
+    </p:tnLst>
+  </p:timing>
 </p:sld>
 </file>
 
@@ -8702,7 +8997,23 @@
                   <a:schemeClr val="bg1"/>
                 </a:solidFill>
               </a:rPr>
-              <a:t>The sea cover approximately ¾ of the earths surface</a:t>
+              <a:t>The sea </a:t>
+            </a:r>
+            <a:r>
+              <a:rPr lang="en-US" dirty="0" smtClean="0">
+                <a:solidFill>
+                  <a:schemeClr val="bg1"/>
+                </a:solidFill>
+              </a:rPr>
+              <a:t>covers </a:t>
+            </a:r>
+            <a:r>
+              <a:rPr lang="en-US" dirty="0">
+                <a:solidFill>
+                  <a:schemeClr val="bg1"/>
+                </a:solidFill>
+              </a:rPr>
+              <a:t>approximately ¾ of the earths surface</a:t>
             </a:r>
           </a:p>
           <a:p>
@@ -8727,12 +9038,20 @@
           </a:p>
           <a:p>
             <a:r>
+              <a:rPr lang="en-US" dirty="0" smtClean="0">
+                <a:solidFill>
+                  <a:schemeClr val="bg1"/>
+                </a:solidFill>
+              </a:rPr>
+              <a:t>If it did not use </a:t>
+            </a:r>
+            <a:r>
               <a:rPr lang="en-US" dirty="0">
                 <a:solidFill>
                   <a:schemeClr val="bg1"/>
                 </a:solidFill>
               </a:rPr>
-              <a:t>If no batteries then it could stay underwater for indefinite periods!</a:t>
+              <a:t>batteries then it could stay underwater for indefinite periods!</a:t>
             </a:r>
           </a:p>
           <a:p>
@@ -8743,13 +9062,20 @@
     </p:spTree>
     <p:extLst>
       <p:ext uri="{BB962C8B-B14F-4D97-AF65-F5344CB8AC3E}">
-        <p14:creationId xmlns="" xmlns:p14="http://schemas.microsoft.com/office/powerpoint/2010/main" val="467426380"/>
+        <p14:creationId xmlns:p14="http://schemas.microsoft.com/office/powerpoint/2010/main" xmlns="" val="467426380"/>
       </p:ext>
     </p:extLst>
   </p:cSld>
   <p:clrMapOvr>
     <a:masterClrMapping/>
   </p:clrMapOvr>
+  <p:timing>
+    <p:tnLst>
+      <p:par>
+        <p:cTn id="1" dur="indefinite" restart="never" nodeType="tmRoot"/>
+      </p:par>
+    </p:tnLst>
+  </p:timing>
 </p:sld>
 </file>
 
@@ -8880,13 +9206,20 @@
     </p:spTree>
     <p:extLst>
       <p:ext uri="{BB962C8B-B14F-4D97-AF65-F5344CB8AC3E}">
-        <p14:creationId xmlns="" xmlns:p14="http://schemas.microsoft.com/office/powerpoint/2010/main" val="4083383240"/>
+        <p14:creationId xmlns:p14="http://schemas.microsoft.com/office/powerpoint/2010/main" xmlns="" val="4083383240"/>
       </p:ext>
     </p:extLst>
   </p:cSld>
   <p:clrMapOvr>
     <a:masterClrMapping/>
   </p:clrMapOvr>
+  <p:timing>
+    <p:tnLst>
+      <p:par>
+        <p:cTn id="1" dur="indefinite" restart="never" nodeType="tmRoot"/>
+      </p:par>
+    </p:tnLst>
+  </p:timing>
 </p:sld>
 </file>
 
@@ -8928,7 +9261,7 @@
                   <a:schemeClr val="bg1"/>
                 </a:solidFill>
               </a:rPr>
-              <a:t>Simplifications</a:t>
+              <a:t>Undersea Challenges</a:t>
             </a:r>
             <a:endParaRPr lang="en-US" b="1" dirty="0">
               <a:solidFill>
@@ -8955,78 +9288,44 @@
           </a:bodyPr>
           <a:lstStyle/>
           <a:p>
-            <a:pPr lvl="1">
-              <a:buFont typeface="Arial" pitchFamily="34" charset="0"/>
-              <a:buChar char="•"/>
-            </a:pPr>
             <a:r>
               <a:rPr lang="en-US" sz="3600" dirty="0" smtClean="0">
                 <a:solidFill>
                   <a:schemeClr val="bg1"/>
                 </a:solidFill>
               </a:rPr>
-              <a:t>No </a:t>
-            </a:r>
-            <a:r>
-              <a:rPr lang="en-US" sz="3600" dirty="0">
-                <a:solidFill>
-                  <a:schemeClr val="bg1"/>
-                </a:solidFill>
-              </a:rPr>
-              <a:t>turning functionality</a:t>
-            </a:r>
-          </a:p>
-          <a:p>
-            <a:pPr lvl="1">
-              <a:buFont typeface="Arial" pitchFamily="34" charset="0"/>
-              <a:buChar char="•"/>
-            </a:pPr>
-            <a:r>
-              <a:rPr lang="en-US" sz="3600" dirty="0">
-                <a:solidFill>
-                  <a:schemeClr val="bg1"/>
-                </a:solidFill>
-              </a:rPr>
-              <a:t>No control </a:t>
-            </a:r>
-            <a:r>
-              <a:rPr lang="en-US" sz="3600" dirty="0" err="1">
-                <a:solidFill>
-                  <a:schemeClr val="bg1"/>
-                </a:solidFill>
-              </a:rPr>
-              <a:t>ie</a:t>
-            </a:r>
-            <a:r>
-              <a:rPr lang="en-US" sz="3600" dirty="0">
-                <a:solidFill>
-                  <a:schemeClr val="bg1"/>
-                </a:solidFill>
-              </a:rPr>
-              <a:t>. goes forward when has power, idle otherwise</a:t>
-            </a:r>
-          </a:p>
-          <a:p>
-            <a:pPr lvl="1">
-              <a:buFont typeface="Arial" pitchFamily="34" charset="0"/>
-              <a:buChar char="•"/>
-            </a:pPr>
-            <a:r>
-              <a:rPr lang="en-US" sz="3600" dirty="0">
-                <a:solidFill>
-                  <a:schemeClr val="bg1"/>
-                </a:solidFill>
-              </a:rPr>
-              <a:t>These things to be added after initial design proven</a:t>
-            </a:r>
-          </a:p>
-          <a:p>
-            <a:pPr lvl="1"/>
-            <a:endParaRPr lang="en-US" sz="3200" dirty="0" smtClean="0">
+              <a:t>To stop water from getting in the robot is filled with oil</a:t>
+            </a:r>
+            <a:endParaRPr lang="en-US" sz="3600" dirty="0" smtClean="0">
               <a:solidFill>
                 <a:schemeClr val="bg1"/>
               </a:solidFill>
             </a:endParaRPr>
+          </a:p>
+          <a:p>
+            <a:r>
+              <a:rPr lang="en-US" sz="3600" dirty="0" smtClean="0">
+                <a:solidFill>
+                  <a:schemeClr val="bg1"/>
+                </a:solidFill>
+              </a:rPr>
+              <a:t>To avoid rust the exterior of the robot will be made from plastic</a:t>
+            </a:r>
+            <a:endParaRPr lang="en-US" sz="3600" dirty="0" smtClean="0">
+              <a:solidFill>
+                <a:schemeClr val="bg1"/>
+              </a:solidFill>
+            </a:endParaRPr>
+          </a:p>
+          <a:p>
+            <a:r>
+              <a:rPr lang="en-US" sz="3600" dirty="0" smtClean="0">
+                <a:solidFill>
+                  <a:schemeClr val="bg1"/>
+                </a:solidFill>
+              </a:rPr>
+              <a:t>Tank tracks will be used to give maximum traction and to spread weight </a:t>
+            </a:r>
           </a:p>
           <a:p>
             <a:endParaRPr lang="en-US" dirty="0">
@@ -9040,13 +9339,20 @@
     </p:spTree>
     <p:extLst>
       <p:ext uri="{BB962C8B-B14F-4D97-AF65-F5344CB8AC3E}">
-        <p14:creationId xmlns="" xmlns:p14="http://schemas.microsoft.com/office/powerpoint/2010/main" val="3541060296"/>
+        <p14:creationId xmlns:p14="http://schemas.microsoft.com/office/powerpoint/2010/main" xmlns="" val="4189870048"/>
       </p:ext>
     </p:extLst>
   </p:cSld>
   <p:clrMapOvr>
     <a:masterClrMapping/>
   </p:clrMapOvr>
+  <p:timing>
+    <p:tnLst>
+      <p:par>
+        <p:cTn id="1" dur="indefinite" restart="never" nodeType="tmRoot"/>
+      </p:par>
+    </p:tnLst>
+  </p:timing>
 </p:sld>
 </file>
 
@@ -9088,122 +9394,6 @@
                   <a:schemeClr val="bg1"/>
                 </a:solidFill>
               </a:rPr>
-              <a:t>Undersea Challenges</a:t>
-            </a:r>
-            <a:endParaRPr lang="en-US" b="1" dirty="0">
-              <a:solidFill>
-                <a:schemeClr val="bg1"/>
-              </a:solidFill>
-            </a:endParaRPr>
-          </a:p>
-        </p:txBody>
-      </p:sp>
-      <p:sp>
-        <p:nvSpPr>
-          <p:cNvPr id="3" name="Content Placeholder 2"/>
-          <p:cNvSpPr>
-            <a:spLocks noGrp="1"/>
-          </p:cNvSpPr>
-          <p:nvPr>
-            <p:ph idx="1"/>
-          </p:nvPr>
-        </p:nvSpPr>
-        <p:spPr/>
-        <p:txBody>
-          <a:bodyPr>
-            <a:normAutofit fontScale="92500" lnSpcReduction="10000"/>
-          </a:bodyPr>
-          <a:lstStyle/>
-          <a:p>
-            <a:r>
-              <a:rPr lang="en-US" dirty="0" smtClean="0">
-                <a:solidFill>
-                  <a:schemeClr val="bg1"/>
-                </a:solidFill>
-              </a:rPr>
-              <a:t>To stop water from getting in, it must be water tight but to stop the pressure from crushing it, the robot must be filled with a non-compressible, non-conducting liquid, a good choice is therefore oil.</a:t>
-            </a:r>
-          </a:p>
-          <a:p>
-            <a:r>
-              <a:rPr lang="en-US" dirty="0" smtClean="0">
-                <a:solidFill>
-                  <a:schemeClr val="bg1"/>
-                </a:solidFill>
-              </a:rPr>
-              <a:t>To avoid rust the exterior of the robot will be made from plastic</a:t>
-            </a:r>
-          </a:p>
-          <a:p>
-            <a:r>
-              <a:rPr lang="en-US" dirty="0" smtClean="0">
-                <a:solidFill>
-                  <a:schemeClr val="bg1"/>
-                </a:solidFill>
-              </a:rPr>
-              <a:t>Tank tracks will be used to give maximum traction and to spread weight to stop sinking occurring in the soft sediment</a:t>
-            </a:r>
-          </a:p>
-          <a:p>
-            <a:endParaRPr lang="en-US" dirty="0">
-              <a:solidFill>
-                <a:schemeClr val="bg1"/>
-              </a:solidFill>
-            </a:endParaRPr>
-          </a:p>
-        </p:txBody>
-      </p:sp>
-    </p:spTree>
-    <p:extLst>
-      <p:ext uri="{BB962C8B-B14F-4D97-AF65-F5344CB8AC3E}">
-        <p14:creationId xmlns="" xmlns:p14="http://schemas.microsoft.com/office/powerpoint/2010/main" val="4189870048"/>
-      </p:ext>
-    </p:extLst>
-  </p:cSld>
-  <p:clrMapOvr>
-    <a:masterClrMapping/>
-  </p:clrMapOvr>
-</p:sld>
-</file>
-
-<file path=ppt/slides/slide7.xml><?xml version="1.0" encoding="utf-8"?>
-<p:sld xmlns:a="http://schemas.openxmlformats.org/drawingml/2006/main" xmlns:r="http://schemas.openxmlformats.org/officeDocument/2006/relationships" xmlns:p="http://schemas.openxmlformats.org/presentationml/2006/main">
-  <p:cSld>
-    <p:spTree>
-      <p:nvGrpSpPr>
-        <p:cNvPr id="1" name=""/>
-        <p:cNvGrpSpPr/>
-        <p:nvPr/>
-      </p:nvGrpSpPr>
-      <p:grpSpPr>
-        <a:xfrm>
-          <a:off x="0" y="0"/>
-          <a:ext cx="0" cy="0"/>
-          <a:chOff x="0" y="0"/>
-          <a:chExt cx="0" cy="0"/>
-        </a:xfrm>
-      </p:grpSpPr>
-      <p:sp>
-        <p:nvSpPr>
-          <p:cNvPr id="2" name="Title 1"/>
-          <p:cNvSpPr>
-            <a:spLocks noGrp="1"/>
-          </p:cNvSpPr>
-          <p:nvPr>
-            <p:ph type="title"/>
-          </p:nvPr>
-        </p:nvSpPr>
-        <p:spPr/>
-        <p:txBody>
-          <a:bodyPr/>
-          <a:lstStyle/>
-          <a:p>
-            <a:r>
-              <a:rPr lang="en-US" b="1" dirty="0" smtClean="0">
-                <a:solidFill>
-                  <a:schemeClr val="bg1"/>
-                </a:solidFill>
-              </a:rPr>
               <a:t>Theory of Operation</a:t>
             </a:r>
             <a:endParaRPr lang="en-US" b="1" dirty="0">
@@ -9261,7 +9451,7 @@
           <p:nvPr>
             <p:extLst>
               <p:ext uri="{D42A27DB-BD31-4B8C-83A1-F6EECF244321}">
-                <p14:modId xmlns="" xmlns:p14="http://schemas.microsoft.com/office/powerpoint/2010/main" val="3354502120"/>
+                <p14:modId xmlns:p14="http://schemas.microsoft.com/office/powerpoint/2010/main" xmlns="" val="3354502120"/>
               </p:ext>
             </p:extLst>
           </p:nvPr>
@@ -9433,20 +9623,65 @@
           </p:style>
         </p:cxnSp>
       </p:grpSp>
+      <p:sp>
+        <p:nvSpPr>
+          <p:cNvPr id="11" name="TextBox 10"/>
+          <p:cNvSpPr txBox="1"/>
+          <p:nvPr/>
+        </p:nvSpPr>
+        <p:spPr>
+          <a:xfrm>
+            <a:off x="4313560" y="2082056"/>
+            <a:ext cx="3240360" cy="369332"/>
+          </a:xfrm>
+          <a:prstGeom prst="rect">
+            <a:avLst/>
+          </a:prstGeom>
+          <a:noFill/>
+        </p:spPr>
+        <p:txBody>
+          <a:bodyPr wrap="square" rtlCol="0">
+            <a:spAutoFit/>
+          </a:bodyPr>
+          <a:lstStyle/>
+          <a:p>
+            <a:r>
+              <a:rPr lang="en-US" dirty="0" smtClean="0">
+                <a:solidFill>
+                  <a:schemeClr val="bg1"/>
+                </a:solidFill>
+              </a:rPr>
+              <a:t>Modeled as a pure resistance</a:t>
+            </a:r>
+            <a:endParaRPr lang="en-US" dirty="0">
+              <a:solidFill>
+                <a:schemeClr val="bg1"/>
+              </a:solidFill>
+            </a:endParaRPr>
+          </a:p>
+        </p:txBody>
+      </p:sp>
     </p:spTree>
     <p:extLst>
       <p:ext uri="{BB962C8B-B14F-4D97-AF65-F5344CB8AC3E}">
-        <p14:creationId xmlns="" xmlns:p14="http://schemas.microsoft.com/office/powerpoint/2010/main" val="2616248011"/>
+        <p14:creationId xmlns:p14="http://schemas.microsoft.com/office/powerpoint/2010/main" xmlns="" val="2616248011"/>
       </p:ext>
     </p:extLst>
   </p:cSld>
   <p:clrMapOvr>
     <a:masterClrMapping/>
   </p:clrMapOvr>
+  <p:timing>
+    <p:tnLst>
+      <p:par>
+        <p:cTn id="1" dur="indefinite" restart="never" nodeType="tmRoot"/>
+      </p:par>
+    </p:tnLst>
+  </p:timing>
 </p:sld>
 </file>
 
-<file path=ppt/slides/slide8.xml><?xml version="1.0" encoding="utf-8"?>
+<file path=ppt/slides/slide7.xml><?xml version="1.0" encoding="utf-8"?>
 <p:sld xmlns:a="http://schemas.openxmlformats.org/drawingml/2006/main" xmlns:r="http://schemas.openxmlformats.org/officeDocument/2006/relationships" xmlns:p="http://schemas.openxmlformats.org/presentationml/2006/main">
   <p:cSld>
     <p:spTree>
@@ -9699,17 +9934,24 @@
     </p:spTree>
     <p:extLst>
       <p:ext uri="{BB962C8B-B14F-4D97-AF65-F5344CB8AC3E}">
-        <p14:creationId xmlns="" xmlns:p14="http://schemas.microsoft.com/office/powerpoint/2010/main" val="535781296"/>
+        <p14:creationId xmlns:p14="http://schemas.microsoft.com/office/powerpoint/2010/main" xmlns="" val="535781296"/>
       </p:ext>
     </p:extLst>
   </p:cSld>
   <p:clrMapOvr>
     <a:masterClrMapping/>
   </p:clrMapOvr>
+  <p:timing>
+    <p:tnLst>
+      <p:par>
+        <p:cTn id="1" dur="indefinite" restart="never" nodeType="tmRoot"/>
+      </p:par>
+    </p:tnLst>
+  </p:timing>
 </p:sld>
 </file>
 
-<file path=ppt/slides/slide9.xml><?xml version="1.0" encoding="utf-8"?>
+<file path=ppt/slides/slide8.xml><?xml version="1.0" encoding="utf-8"?>
 <p:sld xmlns:a="http://schemas.openxmlformats.org/drawingml/2006/main" xmlns:r="http://schemas.openxmlformats.org/officeDocument/2006/relationships" xmlns:p="http://schemas.openxmlformats.org/presentationml/2006/main">
   <p:cSld>
     <p:spTree>
@@ -9790,6 +10032,103 @@
   <p:clrMapOvr>
     <a:masterClrMapping/>
   </p:clrMapOvr>
+  <p:timing>
+    <p:tnLst>
+      <p:par>
+        <p:cTn id="1" dur="indefinite" restart="never" nodeType="tmRoot"/>
+      </p:par>
+    </p:tnLst>
+  </p:timing>
+</p:sld>
+</file>
+
+<file path=ppt/slides/slide9.xml><?xml version="1.0" encoding="utf-8"?>
+<p:sld xmlns:a="http://schemas.openxmlformats.org/drawingml/2006/main" xmlns:r="http://schemas.openxmlformats.org/officeDocument/2006/relationships" xmlns:p="http://schemas.openxmlformats.org/presentationml/2006/main">
+  <p:cSld>
+    <p:spTree>
+      <p:nvGrpSpPr>
+        <p:cNvPr id="1" name=""/>
+        <p:cNvGrpSpPr/>
+        <p:nvPr/>
+      </p:nvGrpSpPr>
+      <p:grpSpPr>
+        <a:xfrm>
+          <a:off x="0" y="0"/>
+          <a:ext cx="0" cy="0"/>
+          <a:chOff x="0" y="0"/>
+          <a:chExt cx="0" cy="0"/>
+        </a:xfrm>
+      </p:grpSpPr>
+      <p:sp>
+        <p:nvSpPr>
+          <p:cNvPr id="2" name="Title 1"/>
+          <p:cNvSpPr>
+            <a:spLocks noGrp="1"/>
+          </p:cNvSpPr>
+          <p:nvPr>
+            <p:ph type="title"/>
+          </p:nvPr>
+        </p:nvSpPr>
+        <p:spPr/>
+        <p:txBody>
+          <a:bodyPr/>
+          <a:lstStyle/>
+          <a:p>
+            <a:r>
+              <a:rPr lang="en-US" b="1" dirty="0" smtClean="0">
+                <a:solidFill>
+                  <a:schemeClr val="bg1"/>
+                </a:solidFill>
+              </a:rPr>
+              <a:t>Testing – Generator</a:t>
+            </a:r>
+            <a:endParaRPr lang="en-US" b="1" dirty="0">
+              <a:solidFill>
+                <a:schemeClr val="bg1"/>
+              </a:solidFill>
+            </a:endParaRPr>
+          </a:p>
+        </p:txBody>
+      </p:sp>
+      <p:graphicFrame>
+        <p:nvGraphicFramePr>
+          <p:cNvPr id="5" name="Chart 4"/>
+          <p:cNvGraphicFramePr/>
+          <p:nvPr>
+            <p:extLst>
+              <p:ext uri="{D42A27DB-BD31-4B8C-83A1-F6EECF244321}">
+                <p14:modId xmlns:p14="http://schemas.microsoft.com/office/powerpoint/2010/main" xmlns="" val="2050245842"/>
+              </p:ext>
+            </p:extLst>
+          </p:nvPr>
+        </p:nvGraphicFramePr>
+        <p:xfrm>
+          <a:off x="838200" y="1484784"/>
+          <a:ext cx="7406208" cy="4536504"/>
+        </p:xfrm>
+        <a:graphic>
+          <a:graphicData uri="http://schemas.openxmlformats.org/drawingml/2006/chart">
+            <c:chart xmlns:c="http://schemas.openxmlformats.org/drawingml/2006/chart" xmlns:r="http://schemas.openxmlformats.org/officeDocument/2006/relationships" r:id="rId3"/>
+          </a:graphicData>
+        </a:graphic>
+      </p:graphicFrame>
+    </p:spTree>
+    <p:extLst>
+      <p:ext uri="{BB962C8B-B14F-4D97-AF65-F5344CB8AC3E}">
+        <p14:creationId xmlns:p14="http://schemas.microsoft.com/office/powerpoint/2010/main" xmlns="" val="2823376196"/>
+      </p:ext>
+    </p:extLst>
+  </p:cSld>
+  <p:clrMapOvr>
+    <a:masterClrMapping/>
+  </p:clrMapOvr>
+  <p:timing>
+    <p:tnLst>
+      <p:par>
+        <p:cTn id="1" dur="indefinite" restart="never" nodeType="tmRoot"/>
+      </p:par>
+    </p:tnLst>
+  </p:timing>
 </p:sld>
 </file>
 
